--- a/other/回向2021.pptx
+++ b/other/回向2021.pptx
@@ -5,21 +5,16 @@
     <p:sldMasterId id="2147483690" r:id="rId1"/>
   </p:sldMasterIdLst>
   <p:notesMasterIdLst>
-    <p:notesMasterId r:id="rId14"/>
+    <p:notesMasterId r:id="rId9"/>
   </p:notesMasterIdLst>
   <p:sldIdLst>
     <p:sldId id="256" r:id="rId2"/>
-    <p:sldId id="260" r:id="rId3"/>
-    <p:sldId id="261" r:id="rId4"/>
-    <p:sldId id="262" r:id="rId5"/>
-    <p:sldId id="263" r:id="rId6"/>
-    <p:sldId id="264" r:id="rId7"/>
-    <p:sldId id="265" r:id="rId8"/>
-    <p:sldId id="266" r:id="rId9"/>
-    <p:sldId id="267" r:id="rId10"/>
-    <p:sldId id="268" r:id="rId11"/>
-    <p:sldId id="269" r:id="rId12"/>
-    <p:sldId id="270" r:id="rId13"/>
+    <p:sldId id="261" r:id="rId3"/>
+    <p:sldId id="263" r:id="rId4"/>
+    <p:sldId id="265" r:id="rId5"/>
+    <p:sldId id="267" r:id="rId6"/>
+    <p:sldId id="269" r:id="rId7"/>
+    <p:sldId id="270" r:id="rId8"/>
   </p:sldIdLst>
   <p:sldSz cx="12192000" cy="6858000"/>
   <p:notesSz cx="6858000" cy="9144000"/>
@@ -118,6 +113,11 @@
       </a:defRPr>
     </a:lvl9pPr>
   </p:defaultTextStyle>
+  <p:extLst>
+    <p:ext uri="{EFAFB233-063F-42B5-8137-9DF3F51BA10A}">
+      <p15:sldGuideLst xmlns:p15="http://schemas.microsoft.com/office/powerpoint/2012/main"/>
+    </p:ext>
+  </p:extLst>
 </p:presentation>
 </file>
 
@@ -6848,9 +6848,9 @@
             <a:r>
               <a:rPr lang="zh-TW" altLang="en-US" b="1" dirty="0">
                 <a:solidFill>
-                  <a:schemeClr val="accent3">
-                    <a:lumMod val="60000"/>
-                    <a:lumOff val="40000"/>
+                  <a:schemeClr val="accent5">
+                    <a:lumMod val="20000"/>
+                    <a:lumOff val="80000"/>
                   </a:schemeClr>
                 </a:solidFill>
               </a:rPr>
@@ -6859,9 +6859,9 @@
             <a:r>
               <a:rPr lang="zh-TW" altLang="en-US" dirty="0">
                 <a:solidFill>
-                  <a:schemeClr val="accent3">
-                    <a:lumMod val="60000"/>
-                    <a:lumOff val="40000"/>
+                  <a:schemeClr val="accent5">
+                    <a:lumMod val="20000"/>
+                    <a:lumOff val="80000"/>
                   </a:schemeClr>
                 </a:solidFill>
               </a:rPr>
@@ -6870,9 +6870,9 @@
             <a:r>
               <a:rPr lang="en-US" altLang="zh-TW" sz="1400" dirty="0">
                 <a:solidFill>
-                  <a:schemeClr val="accent3">
-                    <a:lumMod val="60000"/>
-                    <a:lumOff val="40000"/>
+                  <a:schemeClr val="accent5">
+                    <a:lumMod val="20000"/>
+                    <a:lumOff val="80000"/>
                   </a:schemeClr>
                 </a:solidFill>
               </a:rPr>
@@ -6881,9 +6881,9 @@
             <a:r>
               <a:rPr lang="zh-TW" altLang="en-US" sz="1400" dirty="0">
                 <a:solidFill>
-                  <a:schemeClr val="accent3">
-                    <a:lumMod val="60000"/>
-                    <a:lumOff val="40000"/>
+                  <a:schemeClr val="accent5">
+                    <a:lumMod val="20000"/>
+                    <a:lumOff val="80000"/>
                   </a:schemeClr>
                 </a:solidFill>
               </a:rPr>
@@ -6892,9 +6892,9 @@
             <a:r>
               <a:rPr lang="en-US" altLang="zh-TW" sz="1400" dirty="0">
                 <a:solidFill>
-                  <a:schemeClr val="accent3">
-                    <a:lumMod val="60000"/>
-                    <a:lumOff val="40000"/>
+                  <a:schemeClr val="accent5">
+                    <a:lumMod val="20000"/>
+                    <a:lumOff val="80000"/>
                   </a:schemeClr>
                 </a:solidFill>
               </a:rPr>
@@ -6905,9 +6905,9 @@
             <a:r>
               <a:rPr lang="zh-TW" altLang="en-US" b="1" dirty="0">
                 <a:solidFill>
-                  <a:schemeClr val="accent3">
-                    <a:lumMod val="60000"/>
-                    <a:lumOff val="40000"/>
+                  <a:schemeClr val="accent5">
+                    <a:lumMod val="20000"/>
+                    <a:lumOff val="80000"/>
                   </a:schemeClr>
                 </a:solidFill>
               </a:rPr>
@@ -6916,9 +6916,9 @@
             <a:r>
               <a:rPr lang="zh-TW" altLang="en-US" dirty="0">
                 <a:solidFill>
-                  <a:schemeClr val="accent3">
-                    <a:lumMod val="60000"/>
-                    <a:lumOff val="40000"/>
+                  <a:schemeClr val="accent5">
+                    <a:lumMod val="20000"/>
+                    <a:lumOff val="80000"/>
                   </a:schemeClr>
                 </a:solidFill>
               </a:rPr>
@@ -6927,9 +6927,9 @@
             <a:r>
               <a:rPr lang="en-US" altLang="zh-TW" sz="1300" dirty="0">
                 <a:solidFill>
-                  <a:schemeClr val="accent3">
-                    <a:lumMod val="60000"/>
-                    <a:lumOff val="40000"/>
+                  <a:schemeClr val="accent5">
+                    <a:lumMod val="20000"/>
+                    <a:lumOff val="80000"/>
                   </a:schemeClr>
                 </a:solidFill>
               </a:rPr>
@@ -6938,9 +6938,9 @@
             <a:r>
               <a:rPr lang="zh-TW" altLang="en-US" sz="1300" dirty="0">
                 <a:solidFill>
-                  <a:schemeClr val="accent3">
-                    <a:lumMod val="60000"/>
-                    <a:lumOff val="40000"/>
+                  <a:schemeClr val="accent5">
+                    <a:lumMod val="20000"/>
+                    <a:lumOff val="80000"/>
                   </a:schemeClr>
                 </a:solidFill>
               </a:rPr>
@@ -6949,9 +6949,9 @@
             <a:r>
               <a:rPr lang="en-US" altLang="zh-TW" sz="1300" dirty="0">
                 <a:solidFill>
-                  <a:schemeClr val="accent3">
-                    <a:lumMod val="60000"/>
-                    <a:lumOff val="40000"/>
+                  <a:schemeClr val="accent5">
+                    <a:lumMod val="20000"/>
+                    <a:lumOff val="80000"/>
                   </a:schemeClr>
                 </a:solidFill>
               </a:rPr>
@@ -6962,9 +6962,9 @@
             <a:r>
               <a:rPr lang="zh-TW" altLang="en-US" b="1" dirty="0">
                 <a:solidFill>
-                  <a:schemeClr val="accent3">
-                    <a:lumMod val="60000"/>
-                    <a:lumOff val="40000"/>
+                  <a:schemeClr val="accent5">
+                    <a:lumMod val="20000"/>
+                    <a:lumOff val="80000"/>
                   </a:schemeClr>
                 </a:solidFill>
               </a:rPr>
@@ -6973,9 +6973,9 @@
             <a:r>
               <a:rPr lang="zh-TW" altLang="en-US" sz="1200" dirty="0">
                 <a:solidFill>
-                  <a:schemeClr val="accent3">
-                    <a:lumMod val="60000"/>
-                    <a:lumOff val="40000"/>
+                  <a:schemeClr val="accent5">
+                    <a:lumMod val="20000"/>
+                    <a:lumOff val="80000"/>
                   </a:schemeClr>
                 </a:solidFill>
               </a:rPr>
@@ -6984,9 +6984,9 @@
             <a:r>
               <a:rPr lang="en-US" altLang="zh-TW" sz="1200" dirty="0">
                 <a:solidFill>
-                  <a:schemeClr val="accent3">
-                    <a:lumMod val="60000"/>
-                    <a:lumOff val="40000"/>
+                  <a:schemeClr val="accent5">
+                    <a:lumMod val="20000"/>
+                    <a:lumOff val="80000"/>
                   </a:schemeClr>
                 </a:solidFill>
               </a:rPr>
@@ -6995,9 +6995,9 @@
             <a:r>
               <a:rPr lang="zh-TW" altLang="en-US" sz="1200" dirty="0">
                 <a:solidFill>
-                  <a:schemeClr val="accent3">
-                    <a:lumMod val="60000"/>
-                    <a:lumOff val="40000"/>
+                  <a:schemeClr val="accent5">
+                    <a:lumMod val="20000"/>
+                    <a:lumOff val="80000"/>
                   </a:schemeClr>
                 </a:solidFill>
               </a:rPr>
@@ -7006,9 +7006,9 @@
             <a:r>
               <a:rPr lang="en-US" altLang="zh-TW" sz="1200" dirty="0">
                 <a:solidFill>
-                  <a:schemeClr val="accent3">
-                    <a:lumMod val="60000"/>
-                    <a:lumOff val="40000"/>
+                  <a:schemeClr val="accent5">
+                    <a:lumMod val="20000"/>
+                    <a:lumOff val="80000"/>
                   </a:schemeClr>
                 </a:solidFill>
               </a:rPr>
@@ -7019,9 +7019,9 @@
             <a:r>
               <a:rPr lang="zh-TW" altLang="en-US" b="1" dirty="0">
                 <a:solidFill>
-                  <a:schemeClr val="accent3">
-                    <a:lumMod val="60000"/>
-                    <a:lumOff val="40000"/>
+                  <a:schemeClr val="accent5">
+                    <a:lumMod val="20000"/>
+                    <a:lumOff val="80000"/>
                   </a:schemeClr>
                 </a:solidFill>
               </a:rPr>
@@ -7030,9 +7030,9 @@
             <a:r>
               <a:rPr lang="zh-TW" altLang="en-US" dirty="0">
                 <a:solidFill>
-                  <a:schemeClr val="accent3">
-                    <a:lumMod val="60000"/>
-                    <a:lumOff val="40000"/>
+                  <a:schemeClr val="accent5">
+                    <a:lumMod val="20000"/>
+                    <a:lumOff val="80000"/>
                   </a:schemeClr>
                 </a:solidFill>
               </a:rPr>
@@ -7041,9 +7041,9 @@
             <a:r>
               <a:rPr lang="en-US" altLang="zh-TW" sz="1200" dirty="0">
                 <a:solidFill>
-                  <a:schemeClr val="accent3">
-                    <a:lumMod val="60000"/>
-                    <a:lumOff val="40000"/>
+                  <a:schemeClr val="accent5">
+                    <a:lumMod val="20000"/>
+                    <a:lumOff val="80000"/>
                   </a:schemeClr>
                 </a:solidFill>
               </a:rPr>
@@ -7052,9 +7052,9 @@
             <a:r>
               <a:rPr lang="zh-TW" altLang="en-US" sz="1200" dirty="0">
                 <a:solidFill>
-                  <a:schemeClr val="accent3">
-                    <a:lumMod val="60000"/>
-                    <a:lumOff val="40000"/>
+                  <a:schemeClr val="accent5">
+                    <a:lumMod val="20000"/>
+                    <a:lumOff val="80000"/>
                   </a:schemeClr>
                 </a:solidFill>
               </a:rPr>
@@ -7063,9 +7063,9 @@
             <a:r>
               <a:rPr lang="en-US" altLang="zh-TW" sz="1200" dirty="0">
                 <a:solidFill>
-                  <a:schemeClr val="accent3">
-                    <a:lumMod val="60000"/>
-                    <a:lumOff val="40000"/>
+                  <a:schemeClr val="accent5">
+                    <a:lumMod val="20000"/>
+                    <a:lumOff val="80000"/>
                   </a:schemeClr>
                 </a:solidFill>
               </a:rPr>
@@ -7076,9 +7076,9 @@
             <a:r>
               <a:rPr lang="zh-TW" altLang="en-US" b="1" dirty="0">
                 <a:solidFill>
-                  <a:schemeClr val="accent3">
-                    <a:lumMod val="60000"/>
-                    <a:lumOff val="40000"/>
+                  <a:schemeClr val="accent5">
+                    <a:lumMod val="20000"/>
+                    <a:lumOff val="80000"/>
                   </a:schemeClr>
                 </a:solidFill>
               </a:rPr>
@@ -7087,9 +7087,9 @@
             <a:r>
               <a:rPr lang="en-US" altLang="zh-TW" sz="1200" dirty="0">
                 <a:solidFill>
-                  <a:schemeClr val="accent3">
-                    <a:lumMod val="60000"/>
-                    <a:lumOff val="40000"/>
+                  <a:schemeClr val="accent5">
+                    <a:lumMod val="20000"/>
+                    <a:lumOff val="80000"/>
                   </a:schemeClr>
                 </a:solidFill>
               </a:rPr>
@@ -7098,9 +7098,9 @@
             <a:r>
               <a:rPr lang="zh-TW" altLang="en-US" sz="1200" dirty="0">
                 <a:solidFill>
-                  <a:schemeClr val="accent3">
-                    <a:lumMod val="60000"/>
-                    <a:lumOff val="40000"/>
+                  <a:schemeClr val="accent5">
+                    <a:lumMod val="20000"/>
+                    <a:lumOff val="80000"/>
                   </a:schemeClr>
                 </a:solidFill>
               </a:rPr>
@@ -7109,9 +7109,9 @@
             <a:r>
               <a:rPr lang="en-US" altLang="zh-TW" sz="1200" dirty="0">
                 <a:solidFill>
-                  <a:schemeClr val="accent3">
-                    <a:lumMod val="60000"/>
-                    <a:lumOff val="40000"/>
+                  <a:schemeClr val="accent5">
+                    <a:lumMod val="20000"/>
+                    <a:lumOff val="80000"/>
                   </a:schemeClr>
                 </a:solidFill>
               </a:rPr>
@@ -7175,466 +7175,116 @@
             <a:r>
               <a:rPr lang="zh-TW" altLang="en-US" b="1" dirty="0">
                 <a:solidFill>
-                  <a:schemeClr val="tx1">
-                    <a:lumMod val="85000"/>
-                  </a:schemeClr>
-                </a:solidFill>
-              </a:rPr>
-              <a:t>嗡</a:t>
-            </a:r>
-            <a:r>
-              <a:rPr lang="zh-TW" altLang="en-US" dirty="0">
-                <a:solidFill>
-                  <a:schemeClr val="tx1">
-                    <a:lumMod val="85000"/>
-                  </a:schemeClr>
-                </a:solidFill>
-              </a:rPr>
-              <a:t> </a:t>
-            </a:r>
-            <a:r>
-              <a:rPr lang="en-US" altLang="zh-TW" sz="1200" dirty="0">
-                <a:solidFill>
-                  <a:schemeClr val="tx1">
-                    <a:lumMod val="85000"/>
-                  </a:schemeClr>
-                </a:solidFill>
-              </a:rPr>
-              <a:t>[</a:t>
-            </a:r>
-            <a:r>
-              <a:rPr lang="zh-TW" altLang="en-US" sz="1200" dirty="0">
-                <a:solidFill>
-                  <a:schemeClr val="tx1">
-                    <a:lumMod val="85000"/>
-                  </a:schemeClr>
-                </a:solidFill>
-              </a:rPr>
-              <a:t>善妙 吉祥</a:t>
-            </a:r>
-            <a:r>
-              <a:rPr lang="en-US" altLang="zh-TW" sz="1200" dirty="0">
-                <a:solidFill>
-                  <a:schemeClr val="tx1">
-                    <a:lumMod val="85000"/>
-                  </a:schemeClr>
-                </a:solidFill>
-              </a:rPr>
-              <a:t>]</a:t>
-            </a:r>
-          </a:p>
-          <a:p>
-            <a:r>
-              <a:rPr lang="zh-TW" altLang="en-US" b="1" dirty="0">
-                <a:solidFill>
-                  <a:schemeClr val="tx1">
-                    <a:lumMod val="85000"/>
-                  </a:schemeClr>
-                </a:solidFill>
-              </a:rPr>
-              <a:t>班扎萨埵萨玛雅 嘛呢巴拉雅</a:t>
-            </a:r>
-            <a:r>
-              <a:rPr lang="zh-TW" altLang="en-US" dirty="0">
-                <a:solidFill>
-                  <a:schemeClr val="tx1">
-                    <a:lumMod val="85000"/>
-                  </a:schemeClr>
-                </a:solidFill>
-              </a:rPr>
-              <a:t> </a:t>
-            </a:r>
-            <a:r>
-              <a:rPr lang="en-US" altLang="zh-TW" sz="1400" dirty="0">
-                <a:solidFill>
-                  <a:schemeClr val="tx1">
-                    <a:lumMod val="85000"/>
-                  </a:schemeClr>
-                </a:solidFill>
-              </a:rPr>
-              <a:t>[</a:t>
-            </a:r>
-            <a:r>
-              <a:rPr lang="zh-TW" altLang="en-US" sz="1400" dirty="0">
-                <a:solidFill>
-                  <a:schemeClr val="tx1">
-                    <a:lumMod val="85000"/>
-                  </a:schemeClr>
-                </a:solidFill>
-              </a:rPr>
-              <a:t>金刚萨埵主尊 请您以及（您的）身口意之甚深密誓言恒时守护 保佑（我们）</a:t>
-            </a:r>
-            <a:r>
-              <a:rPr lang="en-US" altLang="zh-TW" sz="1400" dirty="0">
-                <a:solidFill>
-                  <a:schemeClr val="tx1">
-                    <a:lumMod val="85000"/>
-                  </a:schemeClr>
-                </a:solidFill>
-              </a:rPr>
-              <a:t>]</a:t>
-            </a:r>
-            <a:endParaRPr lang="en-US" altLang="zh-TW" dirty="0">
-              <a:solidFill>
-                <a:schemeClr val="tx1">
-                  <a:lumMod val="85000"/>
-                </a:schemeClr>
-              </a:solidFill>
-            </a:endParaRPr>
-          </a:p>
-          <a:p>
-            <a:r>
-              <a:rPr lang="zh-TW" altLang="en-US" b="1" dirty="0">
-                <a:solidFill>
-                  <a:schemeClr val="tx1">
-                    <a:lumMod val="85000"/>
-                  </a:schemeClr>
-                </a:solidFill>
-              </a:rPr>
-              <a:t>班扎萨埵底诺巴底叉 知桌美巴哇</a:t>
-            </a:r>
-            <a:r>
-              <a:rPr lang="zh-TW" altLang="en-US" dirty="0">
-                <a:solidFill>
-                  <a:schemeClr val="tx1">
-                    <a:lumMod val="85000"/>
-                  </a:schemeClr>
-                </a:solidFill>
-              </a:rPr>
-              <a:t> </a:t>
-            </a:r>
-            <a:r>
-              <a:rPr lang="en-US" altLang="zh-TW" sz="1400" dirty="0">
-                <a:solidFill>
-                  <a:schemeClr val="tx1">
-                    <a:lumMod val="85000"/>
-                  </a:schemeClr>
-                </a:solidFill>
-              </a:rPr>
-              <a:t>[</a:t>
-            </a:r>
-            <a:r>
-              <a:rPr lang="zh-TW" altLang="en-US" sz="1400" dirty="0">
-                <a:solidFill>
-                  <a:schemeClr val="tx1">
-                    <a:lumMod val="85000"/>
-                  </a:schemeClr>
-                </a:solidFill>
-              </a:rPr>
-              <a:t>金刚萨埵 请您安住于我 并与我无二无别 </a:t>
-            </a:r>
-            <a:r>
-              <a:rPr lang="en-US" altLang="zh-TW" sz="1400" dirty="0">
-                <a:solidFill>
-                  <a:schemeClr val="tx1">
-                    <a:lumMod val="85000"/>
-                  </a:schemeClr>
-                </a:solidFill>
-              </a:rPr>
-              <a:t>]</a:t>
-            </a:r>
-          </a:p>
-          <a:p>
-            <a:r>
-              <a:rPr lang="zh-TW" altLang="en-US" b="1" dirty="0">
-                <a:solidFill>
-                  <a:schemeClr val="tx1">
-                    <a:lumMod val="85000"/>
-                  </a:schemeClr>
-                </a:solidFill>
-              </a:rPr>
-              <a:t>色度咯哟美巴哇</a:t>
-            </a:r>
-            <a:r>
-              <a:rPr lang="zh-TW" altLang="en-US" dirty="0">
-                <a:solidFill>
-                  <a:schemeClr val="tx1">
-                    <a:lumMod val="85000"/>
-                  </a:schemeClr>
-                </a:solidFill>
-              </a:rPr>
-              <a:t> </a:t>
-            </a:r>
-            <a:r>
-              <a:rPr lang="en-US" altLang="zh-TW" sz="1300" dirty="0">
-                <a:solidFill>
-                  <a:schemeClr val="tx1">
-                    <a:lumMod val="85000"/>
-                  </a:schemeClr>
-                </a:solidFill>
-              </a:rPr>
-              <a:t>[</a:t>
-            </a:r>
-            <a:r>
-              <a:rPr lang="zh-TW" altLang="en-US" sz="1300" dirty="0">
-                <a:solidFill>
-                  <a:schemeClr val="tx1">
-                    <a:lumMod val="85000"/>
-                  </a:schemeClr>
-                </a:solidFill>
-              </a:rPr>
-              <a:t>请以无漏大乐之味（证悟光明的智慧）令我满足 </a:t>
-            </a:r>
-            <a:r>
-              <a:rPr lang="en-US" altLang="zh-TW" sz="1300" dirty="0">
-                <a:solidFill>
-                  <a:schemeClr val="tx1">
-                    <a:lumMod val="85000"/>
-                  </a:schemeClr>
-                </a:solidFill>
-              </a:rPr>
-              <a:t>]</a:t>
-            </a:r>
-          </a:p>
-          <a:p>
-            <a:r>
-              <a:rPr lang="zh-TW" altLang="en-US" b="1" dirty="0">
-                <a:solidFill>
-                  <a:schemeClr val="tx1">
-                    <a:lumMod val="85000"/>
-                  </a:schemeClr>
-                </a:solidFill>
-              </a:rPr>
-              <a:t>色布咯哟美巴哇</a:t>
-            </a:r>
-            <a:r>
-              <a:rPr lang="zh-TW" altLang="en-US" dirty="0">
-                <a:solidFill>
-                  <a:schemeClr val="tx1">
-                    <a:lumMod val="85000"/>
-                  </a:schemeClr>
-                </a:solidFill>
-              </a:rPr>
-              <a:t> </a:t>
-            </a:r>
-            <a:r>
-              <a:rPr lang="en-US" altLang="zh-TW" sz="1300" dirty="0">
-                <a:solidFill>
-                  <a:schemeClr val="tx1">
-                    <a:lumMod val="85000"/>
-                  </a:schemeClr>
-                </a:solidFill>
-              </a:rPr>
-              <a:t>[</a:t>
-            </a:r>
-            <a:r>
-              <a:rPr lang="zh-TW" altLang="en-US" sz="1300" dirty="0">
-                <a:solidFill>
-                  <a:schemeClr val="tx1">
-                    <a:lumMod val="85000"/>
-                  </a:schemeClr>
-                </a:solidFill>
-              </a:rPr>
-              <a:t>令我增长空乐无二之智慧（证悟光明的智慧） </a:t>
-            </a:r>
-            <a:r>
-              <a:rPr lang="en-US" altLang="zh-TW" sz="1300" dirty="0">
-                <a:solidFill>
-                  <a:schemeClr val="tx1">
-                    <a:lumMod val="85000"/>
-                  </a:schemeClr>
-                </a:solidFill>
-              </a:rPr>
-              <a:t>]</a:t>
-            </a:r>
-          </a:p>
-        </p:txBody>
-      </p:sp>
-    </p:spTree>
-    <p:extLst>
-      <p:ext uri="{BB962C8B-B14F-4D97-AF65-F5344CB8AC3E}">
-        <p14:creationId xmlns:p14="http://schemas.microsoft.com/office/powerpoint/2010/main" val="4017465191"/>
-      </p:ext>
-    </p:extLst>
-  </p:cSld>
-  <p:clrMapOvr>
-    <a:masterClrMapping/>
-  </p:clrMapOvr>
-</p:sld>
-</file>
-
-<file path=ppt/slides/slide10.xml><?xml version="1.0" encoding="utf-8"?>
-<p:sld xmlns:a="http://schemas.openxmlformats.org/drawingml/2006/main" xmlns:r="http://schemas.openxmlformats.org/officeDocument/2006/relationships" xmlns:p="http://schemas.openxmlformats.org/presentationml/2006/main">
-  <p:cSld>
-    <p:spTree>
-      <p:nvGrpSpPr>
-        <p:cNvPr id="1" name=""/>
-        <p:cNvGrpSpPr/>
-        <p:nvPr/>
-      </p:nvGrpSpPr>
-      <p:grpSpPr>
-        <a:xfrm>
-          <a:off x="0" y="0"/>
-          <a:ext cx="0" cy="0"/>
-          <a:chOff x="0" y="0"/>
-          <a:chExt cx="0" cy="0"/>
-        </a:xfrm>
-      </p:grpSpPr>
-      <p:sp>
-        <p:nvSpPr>
-          <p:cNvPr id="10" name="Content Placeholder 9">
-            <a:extLst>
-              <a:ext uri="{FF2B5EF4-FFF2-40B4-BE49-F238E27FC236}">
-                <a16:creationId xmlns:a16="http://schemas.microsoft.com/office/drawing/2014/main" id="{E6A5D499-9BF6-044D-B816-86198F755922}"/>
-              </a:ext>
-            </a:extLst>
-          </p:cNvPr>
-          <p:cNvSpPr>
-            <a:spLocks noGrp="1"/>
-          </p:cNvSpPr>
-          <p:nvPr>
-            <p:ph sz="half" idx="2"/>
-          </p:nvPr>
-        </p:nvSpPr>
-        <p:spPr/>
-        <p:txBody>
-          <a:bodyPr anchor="ctr">
-            <a:normAutofit/>
-          </a:bodyPr>
-          <a:lstStyle/>
-          <a:p>
-            <a:r>
-              <a:rPr lang="zh-TW" altLang="en-US" b="1" dirty="0">
-                <a:solidFill>
-                  <a:schemeClr val="tx1">
-                    <a:lumMod val="85000"/>
-                  </a:schemeClr>
-                </a:solidFill>
-              </a:rPr>
-              <a:t>回向给大恩上师堪钦慈诚罗珠仁波切</a:t>
-            </a:r>
-            <a:endParaRPr lang="zh-TW" altLang="en-US" dirty="0">
-              <a:solidFill>
-                <a:schemeClr val="tx1">
-                  <a:lumMod val="85000"/>
-                </a:schemeClr>
-              </a:solidFill>
-            </a:endParaRPr>
-          </a:p>
-          <a:p>
-            <a:r>
-              <a:rPr lang="zh-TW" altLang="en-US" b="1" dirty="0">
-                <a:solidFill>
-                  <a:schemeClr val="tx1">
-                    <a:lumMod val="85000"/>
-                  </a:schemeClr>
-                </a:solidFill>
-              </a:rPr>
-              <a:t>所有现今住世的高僧大德们</a:t>
-            </a:r>
-            <a:endParaRPr lang="zh-TW" altLang="en-US" dirty="0">
-              <a:solidFill>
-                <a:schemeClr val="tx1">
-                  <a:lumMod val="85000"/>
-                </a:schemeClr>
-              </a:solidFill>
-            </a:endParaRPr>
-          </a:p>
-          <a:p>
-            <a:r>
-              <a:rPr lang="zh-TW" altLang="en-US" b="1" dirty="0">
-                <a:solidFill>
-                  <a:schemeClr val="tx1">
-                    <a:lumMod val="85000"/>
-                  </a:schemeClr>
-                </a:solidFill>
-              </a:rPr>
-              <a:t>愿您们法体安康 长久住世 广转法轮 弘法利生事业吉祥圆满 广大无碍</a:t>
-            </a:r>
-            <a:endParaRPr lang="zh-TW" altLang="en-US" dirty="0">
-              <a:solidFill>
-                <a:schemeClr val="tx1">
-                  <a:lumMod val="85000"/>
-                </a:schemeClr>
-              </a:solidFill>
-            </a:endParaRPr>
-          </a:p>
-          <a:p>
-            <a:r>
-              <a:rPr lang="zh-TW" altLang="en-US" b="1" dirty="0">
-                <a:solidFill>
-                  <a:schemeClr val="tx1">
-                    <a:lumMod val="85000"/>
-                  </a:schemeClr>
-                </a:solidFill>
-              </a:rPr>
-              <a:t>回向给三界六道一切如母有情 获得暂时的安乐与究竟的解脱</a:t>
-            </a:r>
-            <a:endParaRPr lang="zh-TW" altLang="en-US" dirty="0">
-              <a:solidFill>
-                <a:schemeClr val="tx1">
-                  <a:lumMod val="85000"/>
-                </a:schemeClr>
-              </a:solidFill>
-            </a:endParaRPr>
-          </a:p>
-        </p:txBody>
-      </p:sp>
-      <p:sp>
-        <p:nvSpPr>
-          <p:cNvPr id="12" name="Slide Number Placeholder 11">
-            <a:extLst>
-              <a:ext uri="{FF2B5EF4-FFF2-40B4-BE49-F238E27FC236}">
-                <a16:creationId xmlns:a16="http://schemas.microsoft.com/office/drawing/2014/main" id="{005515B8-E71C-5C4A-9F0F-0191B5EED7B4}"/>
-              </a:ext>
-            </a:extLst>
-          </p:cNvPr>
-          <p:cNvSpPr>
-            <a:spLocks noGrp="1"/>
-          </p:cNvSpPr>
-          <p:nvPr>
-            <p:ph type="sldNum" sz="quarter" idx="12"/>
-          </p:nvPr>
-        </p:nvSpPr>
-        <p:spPr/>
-        <p:txBody>
-          <a:bodyPr/>
-          <a:lstStyle/>
-          <a:p>
-            <a:fld id="{386F27E4-7A7F-294D-9D6F-8F341454048D}" type="slidenum">
-              <a:rPr lang="en-US" smtClean="0"/>
-              <a:t>10</a:t>
-            </a:fld>
-            <a:endParaRPr lang="en-US"/>
-          </a:p>
-        </p:txBody>
-      </p:sp>
-      <p:sp>
-        <p:nvSpPr>
-          <p:cNvPr id="11" name="Content Placeholder 10">
-            <a:extLst>
-              <a:ext uri="{FF2B5EF4-FFF2-40B4-BE49-F238E27FC236}">
-                <a16:creationId xmlns:a16="http://schemas.microsoft.com/office/drawing/2014/main" id="{23738570-8C48-2E42-A3E5-FA7F79BA175A}"/>
-              </a:ext>
-            </a:extLst>
-          </p:cNvPr>
-          <p:cNvSpPr>
-            <a:spLocks noGrp="1"/>
-          </p:cNvSpPr>
-          <p:nvPr>
-            <p:ph sz="half" idx="13"/>
-          </p:nvPr>
-        </p:nvSpPr>
-        <p:spPr/>
-        <p:txBody>
-          <a:bodyPr anchor="ctr">
-            <a:normAutofit/>
-          </a:bodyPr>
-          <a:lstStyle/>
-          <a:p>
-            <a:pPr algn="ctr"/>
-            <a:r>
-              <a:rPr lang="zh-TW" altLang="en-US" b="1" dirty="0">
-                <a:solidFill>
                   <a:schemeClr val="accent3">
                     <a:lumMod val="40000"/>
                     <a:lumOff val="60000"/>
                   </a:schemeClr>
                 </a:solidFill>
               </a:rPr>
-              <a:t>愿我生生世世圣法王 </a:t>
-            </a:r>
-            <a:endParaRPr lang="en-CA" altLang="zh-TW" b="1" dirty="0">
+              <a:t>嗡</a:t>
+            </a:r>
+            <a:r>
+              <a:rPr lang="zh-TW" altLang="en-US" dirty="0">
+                <a:solidFill>
+                  <a:schemeClr val="accent3">
+                    <a:lumMod val="40000"/>
+                    <a:lumOff val="60000"/>
+                  </a:schemeClr>
+                </a:solidFill>
+              </a:rPr>
+              <a:t> </a:t>
+            </a:r>
+            <a:r>
+              <a:rPr lang="en-US" altLang="zh-TW" sz="1200" dirty="0">
+                <a:solidFill>
+                  <a:schemeClr val="accent3">
+                    <a:lumMod val="40000"/>
+                    <a:lumOff val="60000"/>
+                  </a:schemeClr>
+                </a:solidFill>
+              </a:rPr>
+              <a:t>[</a:t>
+            </a:r>
+            <a:r>
+              <a:rPr lang="zh-TW" altLang="en-US" sz="1200" dirty="0">
+                <a:solidFill>
+                  <a:schemeClr val="accent3">
+                    <a:lumMod val="40000"/>
+                    <a:lumOff val="60000"/>
+                  </a:schemeClr>
+                </a:solidFill>
+              </a:rPr>
+              <a:t>善妙 吉祥</a:t>
+            </a:r>
+            <a:r>
+              <a:rPr lang="en-US" altLang="zh-TW" sz="1200" dirty="0">
+                <a:solidFill>
+                  <a:schemeClr val="accent3">
+                    <a:lumMod val="40000"/>
+                    <a:lumOff val="60000"/>
+                  </a:schemeClr>
+                </a:solidFill>
+              </a:rPr>
+              <a:t>]</a:t>
+            </a:r>
+          </a:p>
+          <a:p>
+            <a:r>
+              <a:rPr lang="zh-TW" altLang="en-US" b="1" dirty="0">
+                <a:solidFill>
+                  <a:schemeClr val="accent3">
+                    <a:lumMod val="40000"/>
+                    <a:lumOff val="60000"/>
+                  </a:schemeClr>
+                </a:solidFill>
+              </a:rPr>
+              <a:t>班扎萨埵萨玛雅 嘛呢巴拉雅</a:t>
+            </a:r>
+            <a:r>
+              <a:rPr lang="zh-TW" altLang="en-US" dirty="0">
+                <a:solidFill>
+                  <a:schemeClr val="accent3">
+                    <a:lumMod val="40000"/>
+                    <a:lumOff val="60000"/>
+                  </a:schemeClr>
+                </a:solidFill>
+              </a:rPr>
+              <a:t> </a:t>
+            </a:r>
+            <a:r>
+              <a:rPr lang="en-US" altLang="zh-TW" sz="1400" dirty="0">
+                <a:solidFill>
+                  <a:schemeClr val="accent3">
+                    <a:lumMod val="40000"/>
+                    <a:lumOff val="60000"/>
+                  </a:schemeClr>
+                </a:solidFill>
+              </a:rPr>
+              <a:t>[</a:t>
+            </a:r>
+            <a:r>
+              <a:rPr lang="zh-TW" altLang="en-US" sz="1400" dirty="0">
+                <a:solidFill>
+                  <a:schemeClr val="accent3">
+                    <a:lumMod val="40000"/>
+                    <a:lumOff val="60000"/>
+                  </a:schemeClr>
+                </a:solidFill>
+              </a:rPr>
+              <a:t>金刚萨埵主尊 请您以及（您的）身口意之甚深密誓言恒时守护 保佑（我们）</a:t>
+            </a:r>
+            <a:r>
+              <a:rPr lang="en-US" altLang="zh-TW" sz="1400" dirty="0">
+                <a:solidFill>
+                  <a:schemeClr val="accent3">
+                    <a:lumMod val="40000"/>
+                    <a:lumOff val="60000"/>
+                  </a:schemeClr>
+                </a:solidFill>
+              </a:rPr>
+              <a:t>]</a:t>
+            </a:r>
+            <a:endParaRPr lang="en-US" altLang="zh-TW" dirty="0">
               <a:solidFill>
                 <a:schemeClr val="accent3">
                   <a:lumMod val="40000"/>
@@ -7644,7 +7294,6 @@
             </a:endParaRPr>
           </a:p>
           <a:p>
-            <a:pPr algn="ctr"/>
             <a:r>
               <a:rPr lang="zh-TW" altLang="en-US" b="1" dirty="0">
                 <a:solidFill>
@@ -7654,21 +7303,10 @@
                   </a:schemeClr>
                 </a:solidFill>
               </a:rPr>
-              <a:t>上师三密加持入于心</a:t>
-            </a:r>
-            <a:endParaRPr lang="zh-TW" altLang="en-US" dirty="0">
-              <a:solidFill>
-                <a:schemeClr val="accent3">
-                  <a:lumMod val="40000"/>
-                  <a:lumOff val="60000"/>
-                </a:schemeClr>
-              </a:solidFill>
-            </a:endParaRPr>
-          </a:p>
-          <a:p>
-            <a:pPr algn="ctr"/>
-            <a:r>
-              <a:rPr lang="zh-TW" altLang="en-US" b="1" dirty="0">
+              <a:t>班扎萨埵底诺巴底叉 知桌美巴哇</a:t>
+            </a:r>
+            <a:r>
+              <a:rPr lang="zh-TW" altLang="en-US" dirty="0">
                 <a:solidFill>
                   <a:schemeClr val="accent3">
                     <a:lumMod val="40000"/>
@@ -7676,21 +7314,10 @@
                   </a:schemeClr>
                 </a:solidFill>
               </a:rPr>
-              <a:t>成为首座眷属及长子 </a:t>
-            </a:r>
-            <a:endParaRPr lang="en-CA" altLang="zh-TW" b="1" dirty="0">
-              <a:solidFill>
-                <a:schemeClr val="accent3">
-                  <a:lumMod val="40000"/>
-                  <a:lumOff val="60000"/>
-                </a:schemeClr>
-              </a:solidFill>
-            </a:endParaRPr>
-          </a:p>
-          <a:p>
-            <a:pPr algn="ctr"/>
-            <a:r>
-              <a:rPr lang="zh-TW" altLang="en-US" b="1" dirty="0">
+              <a:t> </a:t>
+            </a:r>
+            <a:r>
+              <a:rPr lang="en-US" altLang="zh-TW" sz="1400" dirty="0">
                 <a:solidFill>
                   <a:schemeClr val="accent3">
                     <a:lumMod val="40000"/>
@@ -7698,700 +7325,151 @@
                   </a:schemeClr>
                 </a:solidFill>
               </a:rPr>
-              <a:t>增广弘法利生事业者</a:t>
-            </a:r>
-            <a:endParaRPr lang="zh-TW" altLang="en-US" dirty="0">
-              <a:solidFill>
-                <a:schemeClr val="accent3">
-                  <a:lumMod val="40000"/>
-                  <a:lumOff val="60000"/>
-                </a:schemeClr>
-              </a:solidFill>
-            </a:endParaRPr>
+              <a:t>[</a:t>
+            </a:r>
+            <a:r>
+              <a:rPr lang="zh-TW" altLang="en-US" sz="1400" dirty="0">
+                <a:solidFill>
+                  <a:schemeClr val="accent3">
+                    <a:lumMod val="40000"/>
+                    <a:lumOff val="60000"/>
+                  </a:schemeClr>
+                </a:solidFill>
+              </a:rPr>
+              <a:t>金刚萨埵 请您安住于我 并与我无二无别 </a:t>
+            </a:r>
+            <a:r>
+              <a:rPr lang="en-US" altLang="zh-TW" sz="1400" dirty="0">
+                <a:solidFill>
+                  <a:schemeClr val="accent3">
+                    <a:lumMod val="40000"/>
+                    <a:lumOff val="60000"/>
+                  </a:schemeClr>
+                </a:solidFill>
+              </a:rPr>
+              <a:t>]</a:t>
+            </a:r>
+          </a:p>
+          <a:p>
+            <a:r>
+              <a:rPr lang="zh-TW" altLang="en-US" b="1" dirty="0">
+                <a:solidFill>
+                  <a:schemeClr val="accent3">
+                    <a:lumMod val="40000"/>
+                    <a:lumOff val="60000"/>
+                  </a:schemeClr>
+                </a:solidFill>
+              </a:rPr>
+              <a:t>色度咯哟美巴哇</a:t>
+            </a:r>
+            <a:r>
+              <a:rPr lang="zh-TW" altLang="en-US" dirty="0">
+                <a:solidFill>
+                  <a:schemeClr val="accent3">
+                    <a:lumMod val="40000"/>
+                    <a:lumOff val="60000"/>
+                  </a:schemeClr>
+                </a:solidFill>
+              </a:rPr>
+              <a:t> </a:t>
+            </a:r>
+            <a:r>
+              <a:rPr lang="en-US" altLang="zh-TW" sz="1300" dirty="0">
+                <a:solidFill>
+                  <a:schemeClr val="accent3">
+                    <a:lumMod val="40000"/>
+                    <a:lumOff val="60000"/>
+                  </a:schemeClr>
+                </a:solidFill>
+              </a:rPr>
+              <a:t>[</a:t>
+            </a:r>
+            <a:r>
+              <a:rPr lang="zh-TW" altLang="en-US" sz="1300" dirty="0">
+                <a:solidFill>
+                  <a:schemeClr val="accent3">
+                    <a:lumMod val="40000"/>
+                    <a:lumOff val="60000"/>
+                  </a:schemeClr>
+                </a:solidFill>
+              </a:rPr>
+              <a:t>请以无漏大乐之味（证悟光明的智慧）令我满足 </a:t>
+            </a:r>
+            <a:r>
+              <a:rPr lang="en-US" altLang="zh-TW" sz="1300" dirty="0">
+                <a:solidFill>
+                  <a:schemeClr val="accent3">
+                    <a:lumMod val="40000"/>
+                    <a:lumOff val="60000"/>
+                  </a:schemeClr>
+                </a:solidFill>
+              </a:rPr>
+              <a:t>]</a:t>
+            </a:r>
+          </a:p>
+          <a:p>
+            <a:r>
+              <a:rPr lang="zh-TW" altLang="en-US" b="1" dirty="0">
+                <a:solidFill>
+                  <a:schemeClr val="accent3">
+                    <a:lumMod val="40000"/>
+                    <a:lumOff val="60000"/>
+                  </a:schemeClr>
+                </a:solidFill>
+              </a:rPr>
+              <a:t>色布咯哟美巴哇</a:t>
+            </a:r>
+            <a:r>
+              <a:rPr lang="zh-TW" altLang="en-US" dirty="0">
+                <a:solidFill>
+                  <a:schemeClr val="accent3">
+                    <a:lumMod val="40000"/>
+                    <a:lumOff val="60000"/>
+                  </a:schemeClr>
+                </a:solidFill>
+              </a:rPr>
+              <a:t> </a:t>
+            </a:r>
+            <a:r>
+              <a:rPr lang="en-US" altLang="zh-TW" sz="1300" dirty="0">
+                <a:solidFill>
+                  <a:schemeClr val="accent3">
+                    <a:lumMod val="40000"/>
+                    <a:lumOff val="60000"/>
+                  </a:schemeClr>
+                </a:solidFill>
+              </a:rPr>
+              <a:t>[</a:t>
+            </a:r>
+            <a:r>
+              <a:rPr lang="zh-TW" altLang="en-US" sz="1300" dirty="0">
+                <a:solidFill>
+                  <a:schemeClr val="accent3">
+                    <a:lumMod val="40000"/>
+                    <a:lumOff val="60000"/>
+                  </a:schemeClr>
+                </a:solidFill>
+              </a:rPr>
+              <a:t>令我增长空乐无二之智慧（证悟光明的智慧） </a:t>
+            </a:r>
+            <a:r>
+              <a:rPr lang="en-US" altLang="zh-TW" sz="1300" dirty="0">
+                <a:solidFill>
+                  <a:schemeClr val="accent3">
+                    <a:lumMod val="40000"/>
+                    <a:lumOff val="60000"/>
+                  </a:schemeClr>
+                </a:solidFill>
+              </a:rPr>
+              <a:t>]</a:t>
+            </a:r>
           </a:p>
         </p:txBody>
       </p:sp>
     </p:spTree>
     <p:extLst>
       <p:ext uri="{BB962C8B-B14F-4D97-AF65-F5344CB8AC3E}">
-        <p14:creationId xmlns:p14="http://schemas.microsoft.com/office/powerpoint/2010/main" val="3674200086"/>
-      </p:ext>
-    </p:extLst>
-  </p:cSld>
-  <p:clrMapOvr>
-    <a:masterClrMapping/>
-  </p:clrMapOvr>
-</p:sld>
-</file>
-
-<file path=ppt/slides/slide11.xml><?xml version="1.0" encoding="utf-8"?>
-<p:sld xmlns:a="http://schemas.openxmlformats.org/drawingml/2006/main" xmlns:r="http://schemas.openxmlformats.org/officeDocument/2006/relationships" xmlns:p="http://schemas.openxmlformats.org/presentationml/2006/main">
-  <p:cSld>
-    <p:spTree>
-      <p:nvGrpSpPr>
-        <p:cNvPr id="1" name=""/>
-        <p:cNvGrpSpPr/>
-        <p:nvPr/>
-      </p:nvGrpSpPr>
-      <p:grpSpPr>
-        <a:xfrm>
-          <a:off x="0" y="0"/>
-          <a:ext cx="0" cy="0"/>
-          <a:chOff x="0" y="0"/>
-          <a:chExt cx="0" cy="0"/>
-        </a:xfrm>
-      </p:grpSpPr>
-      <p:sp>
-        <p:nvSpPr>
-          <p:cNvPr id="10" name="Content Placeholder 9">
-            <a:extLst>
-              <a:ext uri="{FF2B5EF4-FFF2-40B4-BE49-F238E27FC236}">
-                <a16:creationId xmlns:a16="http://schemas.microsoft.com/office/drawing/2014/main" id="{E6A5D499-9BF6-044D-B816-86198F755922}"/>
-              </a:ext>
-            </a:extLst>
-          </p:cNvPr>
-          <p:cNvSpPr>
-            <a:spLocks noGrp="1"/>
-          </p:cNvSpPr>
-          <p:nvPr>
-            <p:ph sz="half" idx="2"/>
-          </p:nvPr>
-        </p:nvSpPr>
-        <p:spPr/>
-        <p:txBody>
-          <a:bodyPr anchor="ctr">
-            <a:normAutofit/>
-          </a:bodyPr>
-          <a:lstStyle/>
-          <a:p>
-            <a:pPr algn="ctr"/>
-            <a:r>
-              <a:rPr lang="zh-TW" altLang="en-US" b="1" dirty="0">
-                <a:solidFill>
-                  <a:schemeClr val="accent4">
-                    <a:lumMod val="40000"/>
-                    <a:lumOff val="60000"/>
-                  </a:schemeClr>
-                </a:solidFill>
-              </a:rPr>
-              <a:t>愿我临欲命终时 </a:t>
-            </a:r>
-            <a:endParaRPr lang="en-CA" altLang="zh-TW" b="1" dirty="0">
-              <a:solidFill>
-                <a:schemeClr val="accent4">
-                  <a:lumMod val="40000"/>
-                  <a:lumOff val="60000"/>
-                </a:schemeClr>
-              </a:solidFill>
-            </a:endParaRPr>
-          </a:p>
-          <a:p>
-            <a:pPr algn="ctr"/>
-            <a:r>
-              <a:rPr lang="zh-TW" altLang="en-US" b="1" dirty="0">
-                <a:solidFill>
-                  <a:schemeClr val="accent4">
-                    <a:lumMod val="40000"/>
-                    <a:lumOff val="60000"/>
-                  </a:schemeClr>
-                </a:solidFill>
-              </a:rPr>
-              <a:t>尽除一切诸障碍</a:t>
-            </a:r>
-            <a:endParaRPr lang="zh-TW" altLang="en-US" dirty="0">
-              <a:solidFill>
-                <a:schemeClr val="accent4">
-                  <a:lumMod val="40000"/>
-                  <a:lumOff val="60000"/>
-                </a:schemeClr>
-              </a:solidFill>
-            </a:endParaRPr>
-          </a:p>
-          <a:p>
-            <a:pPr algn="ctr"/>
-            <a:r>
-              <a:rPr lang="zh-TW" altLang="en-US" b="1" dirty="0">
-                <a:solidFill>
-                  <a:schemeClr val="accent4">
-                    <a:lumMod val="40000"/>
-                    <a:lumOff val="60000"/>
-                  </a:schemeClr>
-                </a:solidFill>
-              </a:rPr>
-              <a:t>面见彼佛阿弥陀 </a:t>
-            </a:r>
-            <a:endParaRPr lang="en-CA" altLang="zh-TW" b="1" dirty="0">
-              <a:solidFill>
-                <a:schemeClr val="accent4">
-                  <a:lumMod val="40000"/>
-                  <a:lumOff val="60000"/>
-                </a:schemeClr>
-              </a:solidFill>
-            </a:endParaRPr>
-          </a:p>
-          <a:p>
-            <a:pPr algn="ctr"/>
-            <a:r>
-              <a:rPr lang="zh-TW" altLang="en-US" b="1" dirty="0">
-                <a:solidFill>
-                  <a:schemeClr val="accent4">
-                    <a:lumMod val="40000"/>
-                    <a:lumOff val="60000"/>
-                  </a:schemeClr>
-                </a:solidFill>
-              </a:rPr>
-              <a:t>即得往生安乐刹</a:t>
-            </a:r>
-            <a:endParaRPr lang="zh-TW" altLang="en-US" dirty="0">
-              <a:solidFill>
-                <a:schemeClr val="accent4">
-                  <a:lumMod val="40000"/>
-                  <a:lumOff val="60000"/>
-                </a:schemeClr>
-              </a:solidFill>
-            </a:endParaRPr>
-          </a:p>
-          <a:p>
-            <a:pPr algn="ctr"/>
-            <a:r>
-              <a:rPr lang="zh-TW" altLang="en-US" b="1" dirty="0">
-                <a:solidFill>
-                  <a:schemeClr val="accent4">
-                    <a:lumMod val="40000"/>
-                    <a:lumOff val="60000"/>
-                  </a:schemeClr>
-                </a:solidFill>
-              </a:rPr>
-              <a:t>我此普贤殊胜行 </a:t>
-            </a:r>
-            <a:endParaRPr lang="en-CA" altLang="zh-TW" b="1" dirty="0">
-              <a:solidFill>
-                <a:schemeClr val="accent4">
-                  <a:lumMod val="40000"/>
-                  <a:lumOff val="60000"/>
-                </a:schemeClr>
-              </a:solidFill>
-            </a:endParaRPr>
-          </a:p>
-          <a:p>
-            <a:pPr algn="ctr"/>
-            <a:r>
-              <a:rPr lang="zh-TW" altLang="en-US" b="1" dirty="0">
-                <a:solidFill>
-                  <a:schemeClr val="accent4">
-                    <a:lumMod val="40000"/>
-                    <a:lumOff val="60000"/>
-                  </a:schemeClr>
-                </a:solidFill>
-              </a:rPr>
-              <a:t>无边胜福皆回向</a:t>
-            </a:r>
-            <a:endParaRPr lang="zh-TW" altLang="en-US" dirty="0">
-              <a:solidFill>
-                <a:schemeClr val="accent4">
-                  <a:lumMod val="40000"/>
-                  <a:lumOff val="60000"/>
-                </a:schemeClr>
-              </a:solidFill>
-            </a:endParaRPr>
-          </a:p>
-          <a:p>
-            <a:pPr algn="ctr"/>
-            <a:r>
-              <a:rPr lang="zh-TW" altLang="en-US" b="1" dirty="0">
-                <a:solidFill>
-                  <a:schemeClr val="accent4">
-                    <a:lumMod val="40000"/>
-                    <a:lumOff val="60000"/>
-                  </a:schemeClr>
-                </a:solidFill>
-              </a:rPr>
-              <a:t>普愿沉溺诸众生 </a:t>
-            </a:r>
-            <a:endParaRPr lang="en-CA" altLang="zh-TW" b="1" dirty="0">
-              <a:solidFill>
-                <a:schemeClr val="accent4">
-                  <a:lumMod val="40000"/>
-                  <a:lumOff val="60000"/>
-                </a:schemeClr>
-              </a:solidFill>
-            </a:endParaRPr>
-          </a:p>
-          <a:p>
-            <a:pPr algn="ctr"/>
-            <a:r>
-              <a:rPr lang="zh-TW" altLang="en-US" b="1" dirty="0">
-                <a:solidFill>
-                  <a:schemeClr val="accent4">
-                    <a:lumMod val="40000"/>
-                    <a:lumOff val="60000"/>
-                  </a:schemeClr>
-                </a:solidFill>
-              </a:rPr>
-              <a:t>速往无量光佛刹</a:t>
-            </a:r>
-            <a:endParaRPr lang="zh-TW" altLang="en-US" dirty="0">
-              <a:solidFill>
-                <a:schemeClr val="accent4">
-                  <a:lumMod val="40000"/>
-                  <a:lumOff val="60000"/>
-                </a:schemeClr>
-              </a:solidFill>
-            </a:endParaRPr>
-          </a:p>
-        </p:txBody>
-      </p:sp>
-      <p:sp>
-        <p:nvSpPr>
-          <p:cNvPr id="12" name="Slide Number Placeholder 11">
-            <a:extLst>
-              <a:ext uri="{FF2B5EF4-FFF2-40B4-BE49-F238E27FC236}">
-                <a16:creationId xmlns:a16="http://schemas.microsoft.com/office/drawing/2014/main" id="{005515B8-E71C-5C4A-9F0F-0191B5EED7B4}"/>
-              </a:ext>
-            </a:extLst>
-          </p:cNvPr>
-          <p:cNvSpPr>
-            <a:spLocks noGrp="1"/>
-          </p:cNvSpPr>
-          <p:nvPr>
-            <p:ph type="sldNum" sz="quarter" idx="12"/>
-          </p:nvPr>
-        </p:nvSpPr>
-        <p:spPr/>
-        <p:txBody>
-          <a:bodyPr/>
-          <a:lstStyle/>
-          <a:p>
-            <a:fld id="{386F27E4-7A7F-294D-9D6F-8F341454048D}" type="slidenum">
-              <a:rPr lang="en-US" smtClean="0"/>
-              <a:t>11</a:t>
-            </a:fld>
-            <a:endParaRPr lang="en-US"/>
-          </a:p>
-        </p:txBody>
-      </p:sp>
-      <p:sp>
-        <p:nvSpPr>
-          <p:cNvPr id="11" name="Content Placeholder 10">
-            <a:extLst>
-              <a:ext uri="{FF2B5EF4-FFF2-40B4-BE49-F238E27FC236}">
-                <a16:creationId xmlns:a16="http://schemas.microsoft.com/office/drawing/2014/main" id="{23738570-8C48-2E42-A3E5-FA7F79BA175A}"/>
-              </a:ext>
-            </a:extLst>
-          </p:cNvPr>
-          <p:cNvSpPr>
-            <a:spLocks noGrp="1"/>
-          </p:cNvSpPr>
-          <p:nvPr>
-            <p:ph sz="half" idx="13"/>
-          </p:nvPr>
-        </p:nvSpPr>
-        <p:spPr/>
-        <p:txBody>
-          <a:bodyPr anchor="ctr">
-            <a:normAutofit/>
-          </a:bodyPr>
-          <a:lstStyle/>
-          <a:p>
-            <a:pPr algn="ctr"/>
-            <a:r>
-              <a:rPr lang="zh-TW" altLang="en-US" b="1" dirty="0">
-                <a:solidFill>
-                  <a:schemeClr val="accent3">
-                    <a:lumMod val="40000"/>
-                    <a:lumOff val="60000"/>
-                  </a:schemeClr>
-                </a:solidFill>
-              </a:rPr>
-              <a:t>愿我生生世世圣法王 </a:t>
-            </a:r>
-            <a:endParaRPr lang="en-CA" altLang="zh-TW" b="1" dirty="0">
-              <a:solidFill>
-                <a:schemeClr val="accent3">
-                  <a:lumMod val="40000"/>
-                  <a:lumOff val="60000"/>
-                </a:schemeClr>
-              </a:solidFill>
-            </a:endParaRPr>
-          </a:p>
-          <a:p>
-            <a:pPr algn="ctr"/>
-            <a:r>
-              <a:rPr lang="zh-TW" altLang="en-US" b="1" dirty="0">
-                <a:solidFill>
-                  <a:schemeClr val="accent3">
-                    <a:lumMod val="40000"/>
-                    <a:lumOff val="60000"/>
-                  </a:schemeClr>
-                </a:solidFill>
-              </a:rPr>
-              <a:t>上师三密加持入于心</a:t>
-            </a:r>
-            <a:endParaRPr lang="zh-TW" altLang="en-US" dirty="0">
-              <a:solidFill>
-                <a:schemeClr val="accent3">
-                  <a:lumMod val="40000"/>
-                  <a:lumOff val="60000"/>
-                </a:schemeClr>
-              </a:solidFill>
-            </a:endParaRPr>
-          </a:p>
-          <a:p>
-            <a:pPr algn="ctr"/>
-            <a:r>
-              <a:rPr lang="zh-TW" altLang="en-US" b="1" dirty="0">
-                <a:solidFill>
-                  <a:schemeClr val="accent3">
-                    <a:lumMod val="40000"/>
-                    <a:lumOff val="60000"/>
-                  </a:schemeClr>
-                </a:solidFill>
-              </a:rPr>
-              <a:t>成为首座眷属及长子 </a:t>
-            </a:r>
-            <a:endParaRPr lang="en-CA" altLang="zh-TW" b="1" dirty="0">
-              <a:solidFill>
-                <a:schemeClr val="accent3">
-                  <a:lumMod val="40000"/>
-                  <a:lumOff val="60000"/>
-                </a:schemeClr>
-              </a:solidFill>
-            </a:endParaRPr>
-          </a:p>
-          <a:p>
-            <a:pPr algn="ctr"/>
-            <a:r>
-              <a:rPr lang="zh-TW" altLang="en-US" b="1" dirty="0">
-                <a:solidFill>
-                  <a:schemeClr val="accent3">
-                    <a:lumMod val="40000"/>
-                    <a:lumOff val="60000"/>
-                  </a:schemeClr>
-                </a:solidFill>
-              </a:rPr>
-              <a:t>增广弘法利生事业者</a:t>
-            </a:r>
-            <a:endParaRPr lang="zh-TW" altLang="en-US" dirty="0">
-              <a:solidFill>
-                <a:schemeClr val="accent3">
-                  <a:lumMod val="40000"/>
-                  <a:lumOff val="60000"/>
-                </a:schemeClr>
-              </a:solidFill>
-            </a:endParaRPr>
-          </a:p>
-        </p:txBody>
-      </p:sp>
-    </p:spTree>
-    <p:extLst>
-      <p:ext uri="{BB962C8B-B14F-4D97-AF65-F5344CB8AC3E}">
-        <p14:creationId xmlns:p14="http://schemas.microsoft.com/office/powerpoint/2010/main" val="2545546678"/>
-      </p:ext>
-    </p:extLst>
-  </p:cSld>
-  <p:clrMapOvr>
-    <a:masterClrMapping/>
-  </p:clrMapOvr>
-</p:sld>
-</file>
-
-<file path=ppt/slides/slide12.xml><?xml version="1.0" encoding="utf-8"?>
-<p:sld xmlns:a="http://schemas.openxmlformats.org/drawingml/2006/main" xmlns:r="http://schemas.openxmlformats.org/officeDocument/2006/relationships" xmlns:p="http://schemas.openxmlformats.org/presentationml/2006/main">
-  <p:cSld>
-    <p:spTree>
-      <p:nvGrpSpPr>
-        <p:cNvPr id="1" name=""/>
-        <p:cNvGrpSpPr/>
-        <p:nvPr/>
-      </p:nvGrpSpPr>
-      <p:grpSpPr>
-        <a:xfrm>
-          <a:off x="0" y="0"/>
-          <a:ext cx="0" cy="0"/>
-          <a:chOff x="0" y="0"/>
-          <a:chExt cx="0" cy="0"/>
-        </a:xfrm>
-      </p:grpSpPr>
-      <p:sp>
-        <p:nvSpPr>
-          <p:cNvPr id="10" name="Content Placeholder 9">
-            <a:extLst>
-              <a:ext uri="{FF2B5EF4-FFF2-40B4-BE49-F238E27FC236}">
-                <a16:creationId xmlns:a16="http://schemas.microsoft.com/office/drawing/2014/main" id="{E6A5D499-9BF6-044D-B816-86198F755922}"/>
-              </a:ext>
-            </a:extLst>
-          </p:cNvPr>
-          <p:cNvSpPr>
-            <a:spLocks noGrp="1"/>
-          </p:cNvSpPr>
-          <p:nvPr>
-            <p:ph sz="half" idx="2"/>
-          </p:nvPr>
-        </p:nvSpPr>
-        <p:spPr/>
-        <p:txBody>
-          <a:bodyPr anchor="ctr">
-            <a:normAutofit/>
-          </a:bodyPr>
-          <a:lstStyle/>
-          <a:p>
-            <a:pPr algn="ctr"/>
-            <a:r>
-              <a:rPr lang="zh-TW" altLang="en-US" b="1" dirty="0">
-                <a:solidFill>
-                  <a:schemeClr val="accent4">
-                    <a:lumMod val="40000"/>
-                    <a:lumOff val="60000"/>
-                  </a:schemeClr>
-                </a:solidFill>
-              </a:rPr>
-              <a:t>愿我临欲命终时 </a:t>
-            </a:r>
-            <a:endParaRPr lang="en-CA" altLang="zh-TW" b="1" dirty="0">
-              <a:solidFill>
-                <a:schemeClr val="accent4">
-                  <a:lumMod val="40000"/>
-                  <a:lumOff val="60000"/>
-                </a:schemeClr>
-              </a:solidFill>
-            </a:endParaRPr>
-          </a:p>
-          <a:p>
-            <a:pPr algn="ctr"/>
-            <a:r>
-              <a:rPr lang="zh-TW" altLang="en-US" b="1" dirty="0">
-                <a:solidFill>
-                  <a:schemeClr val="accent4">
-                    <a:lumMod val="40000"/>
-                    <a:lumOff val="60000"/>
-                  </a:schemeClr>
-                </a:solidFill>
-              </a:rPr>
-              <a:t>尽除一切诸障碍</a:t>
-            </a:r>
-            <a:endParaRPr lang="zh-TW" altLang="en-US" dirty="0">
-              <a:solidFill>
-                <a:schemeClr val="accent4">
-                  <a:lumMod val="40000"/>
-                  <a:lumOff val="60000"/>
-                </a:schemeClr>
-              </a:solidFill>
-            </a:endParaRPr>
-          </a:p>
-          <a:p>
-            <a:pPr algn="ctr"/>
-            <a:r>
-              <a:rPr lang="zh-TW" altLang="en-US" b="1" dirty="0">
-                <a:solidFill>
-                  <a:schemeClr val="accent4">
-                    <a:lumMod val="40000"/>
-                    <a:lumOff val="60000"/>
-                  </a:schemeClr>
-                </a:solidFill>
-              </a:rPr>
-              <a:t>面见彼佛阿弥陀 </a:t>
-            </a:r>
-            <a:endParaRPr lang="en-CA" altLang="zh-TW" b="1" dirty="0">
-              <a:solidFill>
-                <a:schemeClr val="accent4">
-                  <a:lumMod val="40000"/>
-                  <a:lumOff val="60000"/>
-                </a:schemeClr>
-              </a:solidFill>
-            </a:endParaRPr>
-          </a:p>
-          <a:p>
-            <a:pPr algn="ctr"/>
-            <a:r>
-              <a:rPr lang="zh-TW" altLang="en-US" b="1" dirty="0">
-                <a:solidFill>
-                  <a:schemeClr val="accent4">
-                    <a:lumMod val="40000"/>
-                    <a:lumOff val="60000"/>
-                  </a:schemeClr>
-                </a:solidFill>
-              </a:rPr>
-              <a:t>即得往生安乐刹</a:t>
-            </a:r>
-            <a:endParaRPr lang="zh-TW" altLang="en-US" dirty="0">
-              <a:solidFill>
-                <a:schemeClr val="accent4">
-                  <a:lumMod val="40000"/>
-                  <a:lumOff val="60000"/>
-                </a:schemeClr>
-              </a:solidFill>
-            </a:endParaRPr>
-          </a:p>
-          <a:p>
-            <a:pPr algn="ctr"/>
-            <a:r>
-              <a:rPr lang="zh-TW" altLang="en-US" b="1" dirty="0">
-                <a:solidFill>
-                  <a:schemeClr val="accent4">
-                    <a:lumMod val="40000"/>
-                    <a:lumOff val="60000"/>
-                  </a:schemeClr>
-                </a:solidFill>
-              </a:rPr>
-              <a:t>我此普贤殊胜行 </a:t>
-            </a:r>
-            <a:endParaRPr lang="en-CA" altLang="zh-TW" b="1" dirty="0">
-              <a:solidFill>
-                <a:schemeClr val="accent4">
-                  <a:lumMod val="40000"/>
-                  <a:lumOff val="60000"/>
-                </a:schemeClr>
-              </a:solidFill>
-            </a:endParaRPr>
-          </a:p>
-          <a:p>
-            <a:pPr algn="ctr"/>
-            <a:r>
-              <a:rPr lang="zh-TW" altLang="en-US" b="1" dirty="0">
-                <a:solidFill>
-                  <a:schemeClr val="accent4">
-                    <a:lumMod val="40000"/>
-                    <a:lumOff val="60000"/>
-                  </a:schemeClr>
-                </a:solidFill>
-              </a:rPr>
-              <a:t>无边胜福皆回向</a:t>
-            </a:r>
-            <a:endParaRPr lang="zh-TW" altLang="en-US" dirty="0">
-              <a:solidFill>
-                <a:schemeClr val="accent4">
-                  <a:lumMod val="40000"/>
-                  <a:lumOff val="60000"/>
-                </a:schemeClr>
-              </a:solidFill>
-            </a:endParaRPr>
-          </a:p>
-          <a:p>
-            <a:pPr algn="ctr"/>
-            <a:r>
-              <a:rPr lang="zh-TW" altLang="en-US" b="1" dirty="0">
-                <a:solidFill>
-                  <a:schemeClr val="accent4">
-                    <a:lumMod val="40000"/>
-                    <a:lumOff val="60000"/>
-                  </a:schemeClr>
-                </a:solidFill>
-              </a:rPr>
-              <a:t>普愿沉溺诸众生 </a:t>
-            </a:r>
-            <a:endParaRPr lang="en-CA" altLang="zh-TW" b="1" dirty="0">
-              <a:solidFill>
-                <a:schemeClr val="accent4">
-                  <a:lumMod val="40000"/>
-                  <a:lumOff val="60000"/>
-                </a:schemeClr>
-              </a:solidFill>
-            </a:endParaRPr>
-          </a:p>
-          <a:p>
-            <a:pPr algn="ctr"/>
-            <a:r>
-              <a:rPr lang="zh-TW" altLang="en-US" b="1" dirty="0">
-                <a:solidFill>
-                  <a:schemeClr val="accent4">
-                    <a:lumMod val="40000"/>
-                    <a:lumOff val="60000"/>
-                  </a:schemeClr>
-                </a:solidFill>
-              </a:rPr>
-              <a:t>速往无量光佛刹</a:t>
-            </a:r>
-            <a:endParaRPr lang="zh-TW" altLang="en-US" dirty="0">
-              <a:solidFill>
-                <a:schemeClr val="accent4">
-                  <a:lumMod val="40000"/>
-                  <a:lumOff val="60000"/>
-                </a:schemeClr>
-              </a:solidFill>
-            </a:endParaRPr>
-          </a:p>
-        </p:txBody>
-      </p:sp>
-      <p:sp>
-        <p:nvSpPr>
-          <p:cNvPr id="12" name="Slide Number Placeholder 11">
-            <a:extLst>
-              <a:ext uri="{FF2B5EF4-FFF2-40B4-BE49-F238E27FC236}">
-                <a16:creationId xmlns:a16="http://schemas.microsoft.com/office/drawing/2014/main" id="{005515B8-E71C-5C4A-9F0F-0191B5EED7B4}"/>
-              </a:ext>
-            </a:extLst>
-          </p:cNvPr>
-          <p:cNvSpPr>
-            <a:spLocks noGrp="1"/>
-          </p:cNvSpPr>
-          <p:nvPr>
-            <p:ph type="sldNum" sz="quarter" idx="12"/>
-          </p:nvPr>
-        </p:nvSpPr>
-        <p:spPr/>
-        <p:txBody>
-          <a:bodyPr/>
-          <a:lstStyle/>
-          <a:p>
-            <a:fld id="{386F27E4-7A7F-294D-9D6F-8F341454048D}" type="slidenum">
-              <a:rPr lang="en-US" smtClean="0"/>
-              <a:t>12</a:t>
-            </a:fld>
-            <a:endParaRPr lang="en-US"/>
-          </a:p>
-        </p:txBody>
-      </p:sp>
-      <p:sp>
-        <p:nvSpPr>
-          <p:cNvPr id="11" name="Content Placeholder 10">
-            <a:extLst>
-              <a:ext uri="{FF2B5EF4-FFF2-40B4-BE49-F238E27FC236}">
-                <a16:creationId xmlns:a16="http://schemas.microsoft.com/office/drawing/2014/main" id="{23738570-8C48-2E42-A3E5-FA7F79BA175A}"/>
-              </a:ext>
-            </a:extLst>
-          </p:cNvPr>
-          <p:cNvSpPr>
-            <a:spLocks noGrp="1"/>
-          </p:cNvSpPr>
-          <p:nvPr>
-            <p:ph sz="half" idx="13"/>
-          </p:nvPr>
-        </p:nvSpPr>
-        <p:spPr/>
-        <p:txBody>
-          <a:bodyPr anchor="ctr">
-            <a:normAutofit/>
-          </a:bodyPr>
-          <a:lstStyle/>
-          <a:p>
-            <a:pPr algn="ctr"/>
-            <a:r>
-              <a:rPr lang="zh-TW" altLang="en-US" b="1" dirty="0">
-                <a:solidFill>
-                  <a:srgbClr val="FFFF00"/>
-                </a:solidFill>
-              </a:rPr>
-              <a:t>阿弥陀佛</a:t>
-            </a:r>
-            <a:r>
-              <a:rPr lang="zh-CN" altLang="en-US" b="1" dirty="0"/>
-              <a:t> 🙏🙏🙏</a:t>
-            </a:r>
-            <a:endParaRPr lang="zh-TW" altLang="en-US" dirty="0">
-              <a:solidFill>
-                <a:schemeClr val="accent3">
-                  <a:lumMod val="40000"/>
-                  <a:lumOff val="60000"/>
-                </a:schemeClr>
-              </a:solidFill>
-            </a:endParaRPr>
-          </a:p>
-        </p:txBody>
-      </p:sp>
-    </p:spTree>
-    <p:extLst>
-      <p:ext uri="{BB962C8B-B14F-4D97-AF65-F5344CB8AC3E}">
-        <p14:creationId xmlns:p14="http://schemas.microsoft.com/office/powerpoint/2010/main" val="1295955704"/>
+        <p14:creationId xmlns:p14="http://schemas.microsoft.com/office/powerpoint/2010/main" val="4017465191"/>
       </p:ext>
     </p:extLst>
   </p:cSld>
@@ -8444,275 +7522,162 @@
             <a:r>
               <a:rPr lang="zh-TW" altLang="en-US" b="1" dirty="0">
                 <a:solidFill>
-                  <a:schemeClr val="accent3">
-                    <a:lumMod val="60000"/>
-                    <a:lumOff val="40000"/>
-                  </a:schemeClr>
-                </a:solidFill>
-              </a:rPr>
-              <a:t>阿呢埵美巴哇</a:t>
-            </a:r>
-            <a:r>
-              <a:rPr lang="zh-TW" altLang="en-US" dirty="0">
-                <a:solidFill>
-                  <a:schemeClr val="accent3">
-                    <a:lumMod val="60000"/>
-                    <a:lumOff val="40000"/>
-                  </a:schemeClr>
-                </a:solidFill>
-              </a:rPr>
-              <a:t> </a:t>
-            </a:r>
-            <a:r>
-              <a:rPr lang="en-US" altLang="zh-TW" sz="1400" dirty="0">
-                <a:solidFill>
-                  <a:schemeClr val="accent3">
-                    <a:lumMod val="60000"/>
-                    <a:lumOff val="40000"/>
-                  </a:schemeClr>
-                </a:solidFill>
-              </a:rPr>
-              <a:t>[</a:t>
-            </a:r>
-            <a:r>
-              <a:rPr lang="zh-TW" altLang="en-US" sz="1400" dirty="0">
-                <a:solidFill>
-                  <a:schemeClr val="accent3">
-                    <a:lumMod val="60000"/>
-                    <a:lumOff val="40000"/>
-                  </a:schemeClr>
-                </a:solidFill>
-              </a:rPr>
-              <a:t>请爱怜我！（即慈悲之义） </a:t>
-            </a:r>
-            <a:r>
-              <a:rPr lang="en-US" altLang="zh-TW" sz="1400" dirty="0">
-                <a:solidFill>
-                  <a:schemeClr val="accent3">
-                    <a:lumMod val="60000"/>
-                    <a:lumOff val="40000"/>
-                  </a:schemeClr>
-                </a:solidFill>
-              </a:rPr>
-              <a:t>]</a:t>
-            </a:r>
+                  <a:schemeClr val="accent5">
+                    <a:lumMod val="20000"/>
+                    <a:lumOff val="80000"/>
+                  </a:schemeClr>
+                </a:solidFill>
+              </a:rPr>
+              <a:t>上师三世诸佛</a:t>
+            </a:r>
+            <a:endParaRPr lang="en-CA" altLang="zh-TW" b="1" dirty="0">
+              <a:solidFill>
+                <a:schemeClr val="accent5">
+                  <a:lumMod val="20000"/>
+                  <a:lumOff val="80000"/>
+                </a:schemeClr>
+              </a:solidFill>
+            </a:endParaRPr>
           </a:p>
           <a:p>
             <a:r>
               <a:rPr lang="zh-TW" altLang="en-US" b="1" dirty="0">
                 <a:solidFill>
-                  <a:schemeClr val="accent3">
-                    <a:lumMod val="60000"/>
-                    <a:lumOff val="40000"/>
-                  </a:schemeClr>
-                </a:solidFill>
-              </a:rPr>
-              <a:t>萨尔哇斯德玛美扎雅叉</a:t>
-            </a:r>
-            <a:r>
-              <a:rPr lang="zh-TW" altLang="en-US" dirty="0">
-                <a:solidFill>
-                  <a:schemeClr val="accent3">
-                    <a:lumMod val="60000"/>
-                    <a:lumOff val="40000"/>
-                  </a:schemeClr>
-                </a:solidFill>
-              </a:rPr>
-              <a:t> </a:t>
-            </a:r>
-            <a:r>
-              <a:rPr lang="en-US" altLang="zh-TW" sz="1300" dirty="0">
-                <a:solidFill>
-                  <a:schemeClr val="accent3">
-                    <a:lumMod val="60000"/>
-                    <a:lumOff val="40000"/>
-                  </a:schemeClr>
-                </a:solidFill>
-              </a:rPr>
-              <a:t>[</a:t>
-            </a:r>
-            <a:r>
-              <a:rPr lang="zh-TW" altLang="en-US" sz="1300" dirty="0">
-                <a:solidFill>
-                  <a:schemeClr val="accent3">
-                    <a:lumMod val="60000"/>
-                    <a:lumOff val="40000"/>
-                  </a:schemeClr>
-                </a:solidFill>
-              </a:rPr>
-              <a:t>请立即赐予我殊胜（清净一切罪业等）及共同之一切成就 </a:t>
-            </a:r>
-            <a:r>
-              <a:rPr lang="en-US" altLang="zh-TW" sz="1300" dirty="0">
-                <a:solidFill>
-                  <a:schemeClr val="accent3">
-                    <a:lumMod val="60000"/>
-                    <a:lumOff val="40000"/>
-                  </a:schemeClr>
-                </a:solidFill>
-              </a:rPr>
-              <a:t>]</a:t>
-            </a:r>
+                  <a:schemeClr val="accent5">
+                    <a:lumMod val="20000"/>
+                    <a:lumOff val="80000"/>
+                  </a:schemeClr>
+                </a:solidFill>
+              </a:rPr>
+              <a:t>如何发愿随喜供养回向 </a:t>
+            </a:r>
+            <a:endParaRPr lang="en-CA" altLang="zh-TW" b="1" dirty="0">
+              <a:solidFill>
+                <a:schemeClr val="accent5">
+                  <a:lumMod val="20000"/>
+                  <a:lumOff val="80000"/>
+                </a:schemeClr>
+              </a:solidFill>
+            </a:endParaRPr>
           </a:p>
           <a:p>
             <a:r>
               <a:rPr lang="zh-TW" altLang="en-US" b="1" dirty="0">
                 <a:solidFill>
-                  <a:schemeClr val="accent3">
-                    <a:lumMod val="60000"/>
-                    <a:lumOff val="40000"/>
-                  </a:schemeClr>
-                </a:solidFill>
-              </a:rPr>
-              <a:t>萨尔哇嘎嘛色匝美 则当协央格热 吽</a:t>
-            </a:r>
-            <a:r>
-              <a:rPr lang="zh-TW" altLang="en-US" sz="1200" dirty="0">
-                <a:solidFill>
-                  <a:schemeClr val="accent3">
-                    <a:lumMod val="60000"/>
-                    <a:lumOff val="40000"/>
-                  </a:schemeClr>
-                </a:solidFill>
-              </a:rPr>
-              <a:t> </a:t>
-            </a:r>
-            <a:r>
-              <a:rPr lang="en-US" altLang="zh-TW" sz="1200" dirty="0">
-                <a:solidFill>
-                  <a:schemeClr val="accent3">
-                    <a:lumMod val="60000"/>
-                    <a:lumOff val="40000"/>
-                  </a:schemeClr>
-                </a:solidFill>
-              </a:rPr>
-              <a:t>[</a:t>
-            </a:r>
-            <a:r>
-              <a:rPr lang="zh-TW" altLang="en-US" sz="1200" dirty="0">
-                <a:solidFill>
-                  <a:schemeClr val="accent3">
-                    <a:lumMod val="60000"/>
-                    <a:lumOff val="40000"/>
-                  </a:schemeClr>
-                </a:solidFill>
-              </a:rPr>
-              <a:t>令我于行持一切事业时心地贤善 “吽”字是金刚萨埵的种子咒 及诸佛五种智慧之本体 </a:t>
-            </a:r>
-            <a:r>
-              <a:rPr lang="en-US" altLang="zh-TW" sz="1200" dirty="0">
-                <a:solidFill>
-                  <a:schemeClr val="accent3">
-                    <a:lumMod val="60000"/>
-                    <a:lumOff val="40000"/>
-                  </a:schemeClr>
-                </a:solidFill>
-              </a:rPr>
-              <a:t>]</a:t>
-            </a:r>
-          </a:p>
-          <a:p>
+                  <a:schemeClr val="accent5">
+                    <a:lumMod val="20000"/>
+                    <a:lumOff val="80000"/>
+                  </a:schemeClr>
+                </a:solidFill>
+              </a:rPr>
+              <a:t>我亦如是发愿随喜供养回向</a:t>
+            </a:r>
+            <a:endParaRPr lang="en-CA" altLang="zh-TW" b="1" dirty="0">
+              <a:solidFill>
+                <a:schemeClr val="accent5">
+                  <a:lumMod val="20000"/>
+                  <a:lumOff val="80000"/>
+                </a:schemeClr>
+              </a:solidFill>
+            </a:endParaRPr>
+          </a:p>
+          <a:p>
+            <a:endParaRPr lang="zh-TW" altLang="en-US" dirty="0">
+              <a:solidFill>
+                <a:schemeClr val="accent5">
+                  <a:lumMod val="20000"/>
+                  <a:lumOff val="80000"/>
+                </a:schemeClr>
+              </a:solidFill>
+            </a:endParaRPr>
+          </a:p>
+          <a:p>
+            <a:pPr algn="ctr"/>
             <a:r>
               <a:rPr lang="zh-TW" altLang="en-US" b="1" dirty="0">
                 <a:solidFill>
-                  <a:schemeClr val="accent3">
-                    <a:lumMod val="60000"/>
-                    <a:lumOff val="40000"/>
-                  </a:schemeClr>
-                </a:solidFill>
-              </a:rPr>
-              <a:t>哈哈哈哈吙</a:t>
-            </a:r>
-            <a:r>
-              <a:rPr lang="zh-TW" altLang="en-US" dirty="0">
-                <a:solidFill>
-                  <a:schemeClr val="accent3">
-                    <a:lumMod val="60000"/>
-                    <a:lumOff val="40000"/>
-                  </a:schemeClr>
-                </a:solidFill>
-              </a:rPr>
-              <a:t> </a:t>
-            </a:r>
-            <a:r>
-              <a:rPr lang="en-US" altLang="zh-TW" sz="1200" dirty="0">
-                <a:solidFill>
-                  <a:schemeClr val="accent3">
-                    <a:lumMod val="60000"/>
-                    <a:lumOff val="40000"/>
-                  </a:schemeClr>
-                </a:solidFill>
-              </a:rPr>
-              <a:t>[</a:t>
-            </a:r>
-            <a:r>
-              <a:rPr lang="zh-TW" altLang="en-US" sz="1200" dirty="0">
-                <a:solidFill>
-                  <a:schemeClr val="accent3">
-                    <a:lumMod val="60000"/>
-                    <a:lumOff val="40000"/>
-                  </a:schemeClr>
-                </a:solidFill>
-              </a:rPr>
-              <a:t>四个“哈”字 表示令我现前四种灌顶之智慧 </a:t>
-            </a:r>
-            <a:r>
-              <a:rPr lang="en-US" altLang="zh-TW" sz="1200" dirty="0">
-                <a:solidFill>
-                  <a:schemeClr val="accent3">
-                    <a:lumMod val="60000"/>
-                    <a:lumOff val="40000"/>
-                  </a:schemeClr>
-                </a:solidFill>
-              </a:rPr>
-              <a:t>]</a:t>
-            </a:r>
-          </a:p>
-          <a:p>
+                  <a:schemeClr val="accent5">
+                    <a:lumMod val="20000"/>
+                    <a:lumOff val="80000"/>
+                  </a:schemeClr>
+                </a:solidFill>
+              </a:rPr>
+              <a:t>此福愿获遍知果 </a:t>
+            </a:r>
+            <a:endParaRPr lang="en-CA" altLang="zh-TW" b="1" dirty="0">
+              <a:solidFill>
+                <a:schemeClr val="accent5">
+                  <a:lumMod val="20000"/>
+                  <a:lumOff val="80000"/>
+                </a:schemeClr>
+              </a:solidFill>
+            </a:endParaRPr>
+          </a:p>
+          <a:p>
+            <a:pPr algn="ctr"/>
             <a:r>
               <a:rPr lang="zh-TW" altLang="en-US" b="1" dirty="0">
                 <a:solidFill>
-                  <a:schemeClr val="accent3">
-                    <a:lumMod val="60000"/>
-                    <a:lumOff val="40000"/>
-                  </a:schemeClr>
-                </a:solidFill>
-              </a:rPr>
-              <a:t>班嘎万 萨尔哇达他嘎达 班扎嘛麦门杂 </a:t>
-            </a:r>
-            <a:r>
-              <a:rPr lang="en-US" altLang="zh-TW" sz="1200" dirty="0">
-                <a:solidFill>
-                  <a:schemeClr val="accent3">
-                    <a:lumMod val="60000"/>
-                    <a:lumOff val="40000"/>
-                  </a:schemeClr>
-                </a:solidFill>
-              </a:rPr>
-              <a:t>[</a:t>
-            </a:r>
-            <a:r>
-              <a:rPr lang="zh-TW" altLang="en-US" sz="1200" dirty="0">
-                <a:solidFill>
-                  <a:schemeClr val="accent3">
-                    <a:lumMod val="60000"/>
-                    <a:lumOff val="40000"/>
-                  </a:schemeClr>
-                </a:solidFill>
-              </a:rPr>
-              <a:t>祈请一切出有坏如来 请以三金刚（身口意）之智慧 方便与大悲 于双运之中恒时勿舍弃我 </a:t>
-            </a:r>
-            <a:r>
-              <a:rPr lang="en-US" altLang="zh-TW" sz="1200" dirty="0">
-                <a:solidFill>
-                  <a:schemeClr val="accent3">
-                    <a:lumMod val="60000"/>
-                    <a:lumOff val="40000"/>
-                  </a:schemeClr>
-                </a:solidFill>
-              </a:rPr>
-              <a:t>]</a:t>
-            </a:r>
+                  <a:schemeClr val="accent5">
+                    <a:lumMod val="20000"/>
+                    <a:lumOff val="80000"/>
+                  </a:schemeClr>
+                </a:solidFill>
+              </a:rPr>
+              <a:t>摧毁一切过患敌</a:t>
+            </a:r>
+            <a:endParaRPr lang="zh-TW" altLang="en-US" dirty="0">
+              <a:solidFill>
+                <a:schemeClr val="accent5">
+                  <a:lumMod val="20000"/>
+                  <a:lumOff val="80000"/>
+                </a:schemeClr>
+              </a:solidFill>
+            </a:endParaRPr>
+          </a:p>
+          <a:p>
+            <a:pPr algn="ctr"/>
+            <a:r>
+              <a:rPr lang="zh-TW" altLang="en-US" b="1" dirty="0">
+                <a:solidFill>
+                  <a:schemeClr val="accent5">
+                    <a:lumMod val="20000"/>
+                    <a:lumOff val="80000"/>
+                  </a:schemeClr>
+                </a:solidFill>
+              </a:rPr>
+              <a:t>救度众生皆摆脱 </a:t>
+            </a:r>
+            <a:endParaRPr lang="en-CA" altLang="zh-TW" b="1" dirty="0">
+              <a:solidFill>
+                <a:schemeClr val="accent5">
+                  <a:lumMod val="20000"/>
+                  <a:lumOff val="80000"/>
+                </a:schemeClr>
+              </a:solidFill>
+            </a:endParaRPr>
+          </a:p>
+          <a:p>
+            <a:pPr algn="ctr"/>
+            <a:r>
+              <a:rPr lang="zh-TW" altLang="en-US" b="1" dirty="0">
+                <a:solidFill>
+                  <a:schemeClr val="accent5">
+                    <a:lumMod val="20000"/>
+                    <a:lumOff val="80000"/>
+                  </a:schemeClr>
+                </a:solidFill>
+              </a:rPr>
+              <a:t>生老病死三有海</a:t>
+            </a:r>
+            <a:endParaRPr lang="zh-TW" altLang="en-US" dirty="0">
+              <a:solidFill>
+                <a:schemeClr val="accent5">
+                  <a:lumMod val="20000"/>
+                  <a:lumOff val="80000"/>
+                </a:schemeClr>
+              </a:solidFill>
+            </a:endParaRPr>
           </a:p>
         </p:txBody>
       </p:sp>
@@ -8771,7 +7736,7 @@
             <a:r>
               <a:rPr lang="zh-TW" altLang="en-US" b="1" dirty="0">
                 <a:solidFill>
-                  <a:schemeClr val="accent6">
+                  <a:schemeClr val="accent3">
                     <a:lumMod val="40000"/>
                     <a:lumOff val="60000"/>
                   </a:schemeClr>
@@ -8782,7 +7747,7 @@
             <a:r>
               <a:rPr lang="zh-TW" altLang="en-US" dirty="0">
                 <a:solidFill>
-                  <a:schemeClr val="accent6">
+                  <a:schemeClr val="accent3">
                     <a:lumMod val="40000"/>
                     <a:lumOff val="60000"/>
                   </a:schemeClr>
@@ -8793,7 +7758,7 @@
             <a:r>
               <a:rPr lang="en-US" altLang="zh-TW" sz="1500" dirty="0">
                 <a:solidFill>
-                  <a:schemeClr val="accent6">
+                  <a:schemeClr val="accent3">
                     <a:lumMod val="40000"/>
                     <a:lumOff val="60000"/>
                   </a:schemeClr>
@@ -8804,7 +7769,7 @@
             <a:r>
               <a:rPr lang="zh-TW" altLang="en-US" sz="1500" dirty="0">
                 <a:solidFill>
-                  <a:schemeClr val="accent6">
+                  <a:schemeClr val="accent3">
                     <a:lumMod val="40000"/>
                     <a:lumOff val="60000"/>
                   </a:schemeClr>
@@ -8815,7 +7780,7 @@
             <a:r>
               <a:rPr lang="en-US" altLang="zh-TW" sz="1500" dirty="0">
                 <a:solidFill>
-                  <a:schemeClr val="accent6">
+                  <a:schemeClr val="accent3">
                     <a:lumMod val="40000"/>
                     <a:lumOff val="60000"/>
                   </a:schemeClr>
@@ -8828,7 +7793,7 @@
             <a:r>
               <a:rPr lang="zh-TW" altLang="en-US" b="1" dirty="0">
                 <a:solidFill>
-                  <a:schemeClr val="accent6">
+                  <a:schemeClr val="accent3">
                     <a:lumMod val="40000"/>
                     <a:lumOff val="60000"/>
                   </a:schemeClr>
@@ -8839,7 +7804,7 @@
             <a:r>
               <a:rPr lang="zh-TW" altLang="en-US" dirty="0">
                 <a:solidFill>
-                  <a:schemeClr val="accent6">
+                  <a:schemeClr val="accent3">
                     <a:lumMod val="40000"/>
                     <a:lumOff val="60000"/>
                   </a:schemeClr>
@@ -8850,7 +7815,7 @@
             <a:r>
               <a:rPr lang="en-US" altLang="zh-TW" sz="1500" dirty="0">
                 <a:solidFill>
-                  <a:schemeClr val="accent6">
+                  <a:schemeClr val="accent3">
                     <a:lumMod val="40000"/>
                     <a:lumOff val="60000"/>
                   </a:schemeClr>
@@ -8861,7 +7826,7 @@
             <a:r>
               <a:rPr lang="zh-TW" altLang="en-US" sz="1500" dirty="0">
                 <a:solidFill>
-                  <a:schemeClr val="accent6">
+                  <a:schemeClr val="accent3">
                     <a:lumMod val="40000"/>
                     <a:lumOff val="60000"/>
                   </a:schemeClr>
@@ -8872,7 +7837,7 @@
             <a:r>
               <a:rPr lang="en-US" altLang="zh-TW" sz="1500" dirty="0">
                 <a:solidFill>
-                  <a:schemeClr val="accent6">
+                  <a:schemeClr val="accent3">
                     <a:lumMod val="40000"/>
                     <a:lumOff val="60000"/>
                   </a:schemeClr>
@@ -8884,7 +7849,7 @@
           <a:p>
             <a:endParaRPr lang="en-CA" altLang="zh-TW" b="1" dirty="0">
               <a:solidFill>
-                <a:schemeClr val="accent6">
+                <a:schemeClr val="accent3">
                   <a:lumMod val="40000"/>
                   <a:lumOff val="60000"/>
                 </a:schemeClr>
@@ -8895,7 +7860,7 @@
             <a:r>
               <a:rPr lang="zh-TW" altLang="en-US" b="1" dirty="0">
                 <a:solidFill>
-                  <a:schemeClr val="accent6">
+                  <a:schemeClr val="accent3">
                     <a:lumMod val="40000"/>
                     <a:lumOff val="60000"/>
                   </a:schemeClr>
@@ -8906,7 +7871,7 @@
             <a:r>
               <a:rPr lang="zh-CN" altLang="en-US" b="1" dirty="0">
                 <a:solidFill>
-                  <a:schemeClr val="accent6">
+                  <a:schemeClr val="accent3">
                     <a:lumMod val="40000"/>
                     <a:lumOff val="60000"/>
                   </a:schemeClr>
@@ -8916,7 +7881,7 @@
             </a:r>
             <a:endParaRPr lang="en-US" altLang="zh-CN" b="1" dirty="0">
               <a:solidFill>
-                <a:schemeClr val="accent6">
+                <a:schemeClr val="accent3">
                   <a:lumMod val="40000"/>
                   <a:lumOff val="60000"/>
                 </a:schemeClr>
@@ -8927,7 +7892,7 @@
             <a:r>
               <a:rPr lang="zh-TW" altLang="en-US" b="1" dirty="0">
                 <a:solidFill>
-                  <a:schemeClr val="accent6">
+                  <a:schemeClr val="accent3">
                     <a:lumMod val="40000"/>
                     <a:lumOff val="60000"/>
                   </a:schemeClr>
@@ -8937,7 +7902,7 @@
             </a:r>
             <a:endParaRPr lang="en-US" altLang="zh-TW" dirty="0">
               <a:solidFill>
-                <a:schemeClr val="accent6">
+                <a:schemeClr val="accent3">
                   <a:lumMod val="40000"/>
                   <a:lumOff val="60000"/>
                 </a:schemeClr>
@@ -8949,7 +7914,7 @@
     </p:spTree>
     <p:extLst>
       <p:ext uri="{BB962C8B-B14F-4D97-AF65-F5344CB8AC3E}">
-        <p14:creationId xmlns:p14="http://schemas.microsoft.com/office/powerpoint/2010/main" val="1514772885"/>
+        <p14:creationId xmlns:p14="http://schemas.microsoft.com/office/powerpoint/2010/main" val="491253059"/>
       </p:ext>
     </p:extLst>
   </p:cSld>
@@ -8994,152 +7959,94 @@
         </p:nvSpPr>
         <p:spPr/>
         <p:txBody>
-          <a:bodyPr>
+          <a:bodyPr anchor="ctr">
             <a:normAutofit/>
           </a:bodyPr>
           <a:lstStyle/>
           <a:p>
+            <a:pPr algn="ctr"/>
             <a:r>
               <a:rPr lang="zh-TW" altLang="en-US" b="1" dirty="0">
                 <a:solidFill>
-                  <a:schemeClr val="tx1">
-                    <a:lumMod val="85000"/>
-                  </a:schemeClr>
-                </a:solidFill>
-              </a:rPr>
-              <a:t>上师三世诸佛</a:t>
+                  <a:schemeClr val="accent5">
+                    <a:lumMod val="20000"/>
+                    <a:lumOff val="80000"/>
+                  </a:schemeClr>
+                </a:solidFill>
+              </a:rPr>
+              <a:t>生生世世不离师 </a:t>
             </a:r>
             <a:endParaRPr lang="en-CA" altLang="zh-TW" b="1" dirty="0">
               <a:solidFill>
-                <a:schemeClr val="tx1">
-                  <a:lumMod val="85000"/>
+                <a:schemeClr val="accent5">
+                  <a:lumMod val="20000"/>
+                  <a:lumOff val="80000"/>
                 </a:schemeClr>
               </a:solidFill>
             </a:endParaRPr>
           </a:p>
           <a:p>
+            <a:pPr algn="ctr"/>
             <a:r>
               <a:rPr lang="zh-TW" altLang="en-US" b="1" dirty="0">
                 <a:solidFill>
-                  <a:schemeClr val="tx1">
-                    <a:lumMod val="85000"/>
-                  </a:schemeClr>
-                </a:solidFill>
-              </a:rPr>
-              <a:t>如何发愿随喜供养回向 </a:t>
-            </a:r>
-            <a:endParaRPr lang="en-CA" altLang="zh-TW" b="1" dirty="0">
+                  <a:schemeClr val="accent5">
+                    <a:lumMod val="20000"/>
+                    <a:lumOff val="80000"/>
+                  </a:schemeClr>
+                </a:solidFill>
+              </a:rPr>
+              <a:t>恒时享用胜法乐</a:t>
+            </a:r>
+            <a:endParaRPr lang="zh-TW" altLang="en-US" dirty="0">
               <a:solidFill>
-                <a:schemeClr val="tx1">
-                  <a:lumMod val="85000"/>
+                <a:schemeClr val="accent5">
+                  <a:lumMod val="20000"/>
+                  <a:lumOff val="80000"/>
                 </a:schemeClr>
               </a:solidFill>
             </a:endParaRPr>
           </a:p>
           <a:p>
+            <a:pPr algn="ctr"/>
             <a:r>
               <a:rPr lang="zh-TW" altLang="en-US" b="1" dirty="0">
                 <a:solidFill>
-                  <a:schemeClr val="tx1">
-                    <a:lumMod val="85000"/>
-                  </a:schemeClr>
-                </a:solidFill>
-              </a:rPr>
-              <a:t>我亦如是发愿随喜供养回向</a:t>
+                  <a:schemeClr val="accent5">
+                    <a:lumMod val="20000"/>
+                    <a:lumOff val="80000"/>
+                  </a:schemeClr>
+                </a:solidFill>
+              </a:rPr>
+              <a:t>圆满地道功德已 </a:t>
             </a:r>
             <a:endParaRPr lang="en-CA" altLang="zh-TW" b="1" dirty="0">
               <a:solidFill>
-                <a:schemeClr val="tx1">
-                  <a:lumMod val="85000"/>
+                <a:schemeClr val="accent5">
+                  <a:lumMod val="20000"/>
+                  <a:lumOff val="80000"/>
                 </a:schemeClr>
               </a:solidFill>
             </a:endParaRPr>
           </a:p>
           <a:p>
+            <a:pPr algn="ctr"/>
+            <a:r>
+              <a:rPr lang="zh-TW" altLang="en-US" b="1" dirty="0">
+                <a:solidFill>
+                  <a:schemeClr val="accent5">
+                    <a:lumMod val="20000"/>
+                    <a:lumOff val="80000"/>
+                  </a:schemeClr>
+                </a:solidFill>
+              </a:rPr>
+              <a:t>唯愿速得金刚持</a:t>
+            </a:r>
             <a:endParaRPr lang="zh-TW" altLang="en-US" dirty="0">
               <a:solidFill>
-                <a:schemeClr val="tx1">
-                  <a:lumMod val="85000"/>
-                </a:schemeClr>
-              </a:solidFill>
-            </a:endParaRPr>
-          </a:p>
-          <a:p>
-            <a:pPr algn="ctr"/>
-            <a:r>
-              <a:rPr lang="zh-TW" altLang="en-US" b="1" dirty="0">
-                <a:solidFill>
-                  <a:schemeClr val="tx1">
-                    <a:lumMod val="85000"/>
-                  </a:schemeClr>
-                </a:solidFill>
-              </a:rPr>
-              <a:t>此福愿获遍知果 </a:t>
-            </a:r>
-            <a:endParaRPr lang="en-CA" altLang="zh-TW" b="1" dirty="0">
-              <a:solidFill>
-                <a:schemeClr val="tx1">
-                  <a:lumMod val="85000"/>
-                </a:schemeClr>
-              </a:solidFill>
-            </a:endParaRPr>
-          </a:p>
-          <a:p>
-            <a:pPr algn="ctr"/>
-            <a:r>
-              <a:rPr lang="zh-TW" altLang="en-US" b="1" dirty="0">
-                <a:solidFill>
-                  <a:schemeClr val="tx1">
-                    <a:lumMod val="85000"/>
-                  </a:schemeClr>
-                </a:solidFill>
-              </a:rPr>
-              <a:t>摧毁一切过患敌</a:t>
-            </a:r>
-            <a:endParaRPr lang="zh-TW" altLang="en-US" dirty="0">
-              <a:solidFill>
-                <a:schemeClr val="tx1">
-                  <a:lumMod val="85000"/>
-                </a:schemeClr>
-              </a:solidFill>
-            </a:endParaRPr>
-          </a:p>
-          <a:p>
-            <a:pPr algn="ctr"/>
-            <a:r>
-              <a:rPr lang="zh-TW" altLang="en-US" b="1" dirty="0">
-                <a:solidFill>
-                  <a:schemeClr val="tx1">
-                    <a:lumMod val="85000"/>
-                  </a:schemeClr>
-                </a:solidFill>
-              </a:rPr>
-              <a:t>救度众生皆摆脱 </a:t>
-            </a:r>
-            <a:endParaRPr lang="en-CA" altLang="zh-TW" b="1" dirty="0">
-              <a:solidFill>
-                <a:schemeClr val="tx1">
-                  <a:lumMod val="85000"/>
-                </a:schemeClr>
-              </a:solidFill>
-            </a:endParaRPr>
-          </a:p>
-          <a:p>
-            <a:pPr algn="ctr"/>
-            <a:r>
-              <a:rPr lang="zh-TW" altLang="en-US" b="1" dirty="0">
-                <a:solidFill>
-                  <a:schemeClr val="tx1">
-                    <a:lumMod val="85000"/>
-                  </a:schemeClr>
-                </a:solidFill>
-              </a:rPr>
-              <a:t>生老病死三有海</a:t>
-            </a:r>
-            <a:endParaRPr lang="zh-TW" altLang="en-US" dirty="0">
-              <a:solidFill>
-                <a:schemeClr val="tx1">
-                  <a:lumMod val="85000"/>
+                <a:schemeClr val="accent5">
+                  <a:lumMod val="20000"/>
+                  <a:lumOff val="80000"/>
                 </a:schemeClr>
               </a:solidFill>
             </a:endParaRPr>
@@ -9193,128 +8100,26 @@
         </p:nvSpPr>
         <p:spPr/>
         <p:txBody>
-          <a:bodyPr>
+          <a:bodyPr anchor="ctr">
             <a:normAutofit/>
           </a:bodyPr>
           <a:lstStyle/>
           <a:p>
+            <a:pPr algn="ctr"/>
             <a:r>
               <a:rPr lang="zh-TW" altLang="en-US" b="1" dirty="0">
                 <a:solidFill>
-                  <a:schemeClr val="accent6">
+                  <a:schemeClr val="accent3">
                     <a:lumMod val="40000"/>
                     <a:lumOff val="60000"/>
                   </a:schemeClr>
                 </a:solidFill>
               </a:rPr>
-              <a:t>班扎巴哇</a:t>
-            </a:r>
-            <a:r>
-              <a:rPr lang="zh-TW" altLang="en-US" dirty="0">
-                <a:solidFill>
-                  <a:schemeClr val="accent6">
-                    <a:lumMod val="40000"/>
-                    <a:lumOff val="60000"/>
-                  </a:schemeClr>
-                </a:solidFill>
-              </a:rPr>
-              <a:t> </a:t>
-            </a:r>
-            <a:r>
-              <a:rPr lang="en-US" altLang="zh-TW" sz="1500" dirty="0">
-                <a:solidFill>
-                  <a:schemeClr val="accent6">
-                    <a:lumMod val="40000"/>
-                    <a:lumOff val="60000"/>
-                  </a:schemeClr>
-                </a:solidFill>
-              </a:rPr>
-              <a:t>[</a:t>
-            </a:r>
-            <a:r>
-              <a:rPr lang="zh-TW" altLang="en-US" sz="1500" dirty="0">
-                <a:solidFill>
-                  <a:schemeClr val="accent6">
-                    <a:lumMod val="40000"/>
-                    <a:lumOff val="60000"/>
-                  </a:schemeClr>
-                </a:solidFill>
-              </a:rPr>
-              <a:t>使我的身口意成为三金刚（佛的身口意）而成佛 </a:t>
-            </a:r>
-            <a:r>
-              <a:rPr lang="en-US" altLang="zh-TW" sz="1500" dirty="0">
-                <a:solidFill>
-                  <a:schemeClr val="accent6">
-                    <a:lumMod val="40000"/>
-                    <a:lumOff val="60000"/>
-                  </a:schemeClr>
-                </a:solidFill>
-              </a:rPr>
-              <a:t>]</a:t>
-            </a:r>
-          </a:p>
-          <a:p>
-            <a:r>
-              <a:rPr lang="zh-TW" altLang="en-US" b="1" dirty="0">
-                <a:solidFill>
-                  <a:schemeClr val="accent6">
-                    <a:lumMod val="40000"/>
-                    <a:lumOff val="60000"/>
-                  </a:schemeClr>
-                </a:solidFill>
-              </a:rPr>
-              <a:t>嘛哈萨玛雅萨埵啊</a:t>
-            </a:r>
-            <a:r>
-              <a:rPr lang="zh-TW" altLang="en-US" dirty="0">
-                <a:solidFill>
-                  <a:schemeClr val="accent6">
-                    <a:lumMod val="40000"/>
-                    <a:lumOff val="60000"/>
-                  </a:schemeClr>
-                </a:solidFill>
-              </a:rPr>
-              <a:t> </a:t>
-            </a:r>
-            <a:r>
-              <a:rPr lang="en-US" altLang="zh-TW" sz="1500" dirty="0">
-                <a:solidFill>
-                  <a:schemeClr val="accent6">
-                    <a:lumMod val="40000"/>
-                    <a:lumOff val="60000"/>
-                  </a:schemeClr>
-                </a:solidFill>
-              </a:rPr>
-              <a:t>[</a:t>
-            </a:r>
-            <a:r>
-              <a:rPr lang="zh-TW" altLang="en-US" sz="1500" dirty="0">
-                <a:solidFill>
-                  <a:schemeClr val="accent6">
-                    <a:lumMod val="40000"/>
-                    <a:lumOff val="60000"/>
-                  </a:schemeClr>
-                </a:solidFill>
-              </a:rPr>
-              <a:t>恒时不离超越三时之大时（没有时间分别的法界）誓言大勇识（金刚萨埵） 请令我成就一切如来于无生界中平等味之一体智慧 </a:t>
-            </a:r>
-            <a:r>
-              <a:rPr lang="en-US" altLang="zh-TW" sz="1500" dirty="0">
-                <a:solidFill>
-                  <a:schemeClr val="accent6">
-                    <a:lumMod val="40000"/>
-                    <a:lumOff val="60000"/>
-                  </a:schemeClr>
-                </a:solidFill>
-              </a:rPr>
-              <a:t>]</a:t>
-            </a:r>
-          </a:p>
-          <a:p>
+              <a:t>文殊师利勇猛智 </a:t>
+            </a:r>
             <a:endParaRPr lang="en-CA" altLang="zh-TW" b="1" dirty="0">
               <a:solidFill>
-                <a:schemeClr val="accent6">
+                <a:schemeClr val="accent3">
                   <a:lumMod val="40000"/>
                   <a:lumOff val="60000"/>
                 </a:schemeClr>
@@ -9322,31 +8127,21 @@
             </a:endParaRPr>
           </a:p>
           <a:p>
+            <a:pPr algn="ctr"/>
             <a:r>
               <a:rPr lang="zh-TW" altLang="en-US" b="1" dirty="0">
                 <a:solidFill>
-                  <a:schemeClr val="accent6">
+                  <a:schemeClr val="accent3">
                     <a:lumMod val="40000"/>
                     <a:lumOff val="60000"/>
                   </a:schemeClr>
                 </a:solidFill>
               </a:rPr>
-              <a:t>在共修当中若有任何不如法的地方</a:t>
-            </a:r>
-            <a:r>
-              <a:rPr lang="zh-CN" altLang="en-US" b="1" dirty="0">
-                <a:solidFill>
-                  <a:schemeClr val="accent6">
-                    <a:lumMod val="40000"/>
-                    <a:lumOff val="60000"/>
-                  </a:schemeClr>
-                </a:solidFill>
-              </a:rPr>
-              <a:t> </a:t>
-            </a:r>
-            <a:endParaRPr lang="en-US" altLang="zh-CN" b="1" dirty="0">
+              <a:t>普贤慧行亦复然</a:t>
+            </a:r>
+            <a:endParaRPr lang="zh-TW" altLang="en-US" dirty="0">
               <a:solidFill>
-                <a:schemeClr val="accent6">
+                <a:schemeClr val="accent3">
                   <a:lumMod val="40000"/>
                   <a:lumOff val="60000"/>
                 </a:schemeClr>
@@ -9354,32 +8149,143 @@
             </a:endParaRPr>
           </a:p>
           <a:p>
+            <a:pPr algn="ctr"/>
             <a:r>
               <a:rPr lang="zh-TW" altLang="en-US" b="1" dirty="0">
                 <a:solidFill>
-                  <a:schemeClr val="accent6">
+                  <a:schemeClr val="accent3">
                     <a:lumMod val="40000"/>
                     <a:lumOff val="60000"/>
                   </a:schemeClr>
                 </a:solidFill>
               </a:rPr>
-              <a:t>弟子在此诚心忏悔</a:t>
-            </a:r>
-            <a:endParaRPr lang="en-US" altLang="zh-TW" dirty="0">
+              <a:t>我今回向诸善根 </a:t>
+            </a:r>
+            <a:endParaRPr lang="en-CA" altLang="zh-TW" b="1" dirty="0">
               <a:solidFill>
-                <a:schemeClr val="accent6">
+                <a:schemeClr val="accent3">
                   <a:lumMod val="40000"/>
                   <a:lumOff val="60000"/>
                 </a:schemeClr>
               </a:solidFill>
             </a:endParaRPr>
           </a:p>
+          <a:p>
+            <a:pPr algn="ctr"/>
+            <a:r>
+              <a:rPr lang="zh-TW" altLang="en-US" b="1" dirty="0">
+                <a:solidFill>
+                  <a:schemeClr val="accent3">
+                    <a:lumMod val="40000"/>
+                    <a:lumOff val="60000"/>
+                  </a:schemeClr>
+                </a:solidFill>
+              </a:rPr>
+              <a:t>随彼一切常修学</a:t>
+            </a:r>
+            <a:endParaRPr lang="zh-TW" altLang="en-US" dirty="0">
+              <a:solidFill>
+                <a:schemeClr val="accent3">
+                  <a:lumMod val="40000"/>
+                  <a:lumOff val="60000"/>
+                </a:schemeClr>
+              </a:solidFill>
+            </a:endParaRPr>
+          </a:p>
+          <a:p>
+            <a:pPr algn="ctr"/>
+            <a:r>
+              <a:rPr lang="zh-TW" altLang="en-US" b="1" dirty="0">
+                <a:solidFill>
+                  <a:schemeClr val="accent3">
+                    <a:lumMod val="40000"/>
+                    <a:lumOff val="60000"/>
+                  </a:schemeClr>
+                </a:solidFill>
+              </a:rPr>
+              <a:t>三世诸佛所称叹 </a:t>
+            </a:r>
+            <a:endParaRPr lang="en-CA" altLang="zh-TW" b="1" dirty="0">
+              <a:solidFill>
+                <a:schemeClr val="accent3">
+                  <a:lumMod val="40000"/>
+                  <a:lumOff val="60000"/>
+                </a:schemeClr>
+              </a:solidFill>
+            </a:endParaRPr>
+          </a:p>
+          <a:p>
+            <a:pPr algn="ctr"/>
+            <a:r>
+              <a:rPr lang="zh-TW" altLang="en-US" b="1" dirty="0">
+                <a:solidFill>
+                  <a:schemeClr val="accent3">
+                    <a:lumMod val="40000"/>
+                    <a:lumOff val="60000"/>
+                  </a:schemeClr>
+                </a:solidFill>
+              </a:rPr>
+              <a:t>如是最胜诸大愿</a:t>
+            </a:r>
+            <a:endParaRPr lang="zh-TW" altLang="en-US" dirty="0">
+              <a:solidFill>
+                <a:schemeClr val="accent3">
+                  <a:lumMod val="40000"/>
+                  <a:lumOff val="60000"/>
+                </a:schemeClr>
+              </a:solidFill>
+            </a:endParaRPr>
+          </a:p>
+          <a:p>
+            <a:pPr algn="ctr"/>
+            <a:r>
+              <a:rPr lang="zh-TW" altLang="en-US" b="1" dirty="0">
+                <a:solidFill>
+                  <a:schemeClr val="accent3">
+                    <a:lumMod val="40000"/>
+                    <a:lumOff val="60000"/>
+                  </a:schemeClr>
+                </a:solidFill>
+              </a:rPr>
+              <a:t>我今回向诸善根 </a:t>
+            </a:r>
+            <a:endParaRPr lang="en-CA" altLang="zh-TW" b="1" dirty="0">
+              <a:solidFill>
+                <a:schemeClr val="accent3">
+                  <a:lumMod val="40000"/>
+                  <a:lumOff val="60000"/>
+                </a:schemeClr>
+              </a:solidFill>
+            </a:endParaRPr>
+          </a:p>
+          <a:p>
+            <a:pPr algn="ctr"/>
+            <a:r>
+              <a:rPr lang="zh-TW" altLang="en-US" b="1" dirty="0">
+                <a:solidFill>
+                  <a:schemeClr val="accent3">
+                    <a:lumMod val="40000"/>
+                    <a:lumOff val="60000"/>
+                  </a:schemeClr>
+                </a:solidFill>
+              </a:rPr>
+              <a:t>为得普贤殊胜行</a:t>
+            </a:r>
+            <a:endParaRPr lang="en-US" altLang="zh-TW" dirty="0">
+              <a:solidFill>
+                <a:schemeClr val="accent3">
+                  <a:lumMod val="40000"/>
+                  <a:lumOff val="60000"/>
+                </a:schemeClr>
+              </a:solidFill>
+            </a:endParaRPr>
+          </a:p>
         </p:txBody>
       </p:sp>
     </p:spTree>
     <p:extLst>
       <p:ext uri="{BB962C8B-B14F-4D97-AF65-F5344CB8AC3E}">
-        <p14:creationId xmlns:p14="http://schemas.microsoft.com/office/powerpoint/2010/main" val="491253059"/>
+        <p14:creationId xmlns:p14="http://schemas.microsoft.com/office/powerpoint/2010/main" val="2648630330"/>
       </p:ext>
     </p:extLst>
   </p:cSld>
@@ -9424,72 +8330,94 @@
         </p:nvSpPr>
         <p:spPr/>
         <p:txBody>
-          <a:bodyPr>
+          <a:bodyPr anchor="ctr">
             <a:normAutofit/>
           </a:bodyPr>
           <a:lstStyle/>
           <a:p>
+            <a:pPr algn="ctr"/>
             <a:r>
               <a:rPr lang="zh-TW" altLang="en-US" b="1" dirty="0">
                 <a:solidFill>
-                  <a:schemeClr val="tx1">
-                    <a:lumMod val="85000"/>
-                  </a:schemeClr>
-                </a:solidFill>
-              </a:rPr>
-              <a:t>上师三世诸佛</a:t>
-            </a:r>
-            <a:endParaRPr lang="en-CA" altLang="zh-TW" b="1" dirty="0">
+                  <a:schemeClr val="accent5">
+                    <a:lumMod val="20000"/>
+                    <a:lumOff val="80000"/>
+                  </a:schemeClr>
+                </a:solidFill>
+              </a:rPr>
+              <a:t>嗡梭第</a:t>
+            </a:r>
+            <a:endParaRPr lang="zh-TW" altLang="en-US" dirty="0">
               <a:solidFill>
-                <a:schemeClr val="tx1">
-                  <a:lumMod val="85000"/>
+                <a:schemeClr val="accent5">
+                  <a:lumMod val="20000"/>
+                  <a:lumOff val="80000"/>
                 </a:schemeClr>
               </a:solidFill>
             </a:endParaRPr>
           </a:p>
           <a:p>
+            <a:pPr algn="ctr"/>
             <a:r>
               <a:rPr lang="zh-TW" altLang="en-US" b="1" dirty="0">
                 <a:solidFill>
-                  <a:schemeClr val="tx1">
-                    <a:lumMod val="85000"/>
-                  </a:schemeClr>
-                </a:solidFill>
-              </a:rPr>
-              <a:t>如何发愿随喜供养回向 </a:t>
+                  <a:schemeClr val="accent5">
+                    <a:lumMod val="20000"/>
+                    <a:lumOff val="80000"/>
+                  </a:schemeClr>
+                </a:solidFill>
+              </a:rPr>
+              <a:t>无量长寿佛之发心真谛力 </a:t>
             </a:r>
             <a:endParaRPr lang="en-CA" altLang="zh-TW" b="1" dirty="0">
               <a:solidFill>
-                <a:schemeClr val="tx1">
-                  <a:lumMod val="85000"/>
+                <a:schemeClr val="accent5">
+                  <a:lumMod val="20000"/>
+                  <a:lumOff val="80000"/>
                 </a:schemeClr>
               </a:solidFill>
             </a:endParaRPr>
           </a:p>
           <a:p>
+            <a:pPr algn="ctr"/>
             <a:r>
               <a:rPr lang="zh-TW" altLang="en-US" b="1" dirty="0">
                 <a:solidFill>
-                  <a:schemeClr val="tx1">
-                    <a:lumMod val="85000"/>
-                  </a:schemeClr>
-                </a:solidFill>
-              </a:rPr>
-              <a:t>我亦如是发愿随喜供养回向</a:t>
-            </a:r>
-            <a:endParaRPr lang="en-CA" altLang="zh-TW" b="1" dirty="0">
+                  <a:schemeClr val="accent5">
+                    <a:lumMod val="20000"/>
+                    <a:lumOff val="80000"/>
+                  </a:schemeClr>
+                </a:solidFill>
+              </a:rPr>
+              <a:t>具有清淨戒律智慧广博且</a:t>
+            </a:r>
+            <a:endParaRPr lang="zh-TW" altLang="en-US" dirty="0">
               <a:solidFill>
-                <a:schemeClr val="tx1">
-                  <a:lumMod val="85000"/>
+                <a:schemeClr val="accent5">
+                  <a:lumMod val="20000"/>
+                  <a:lumOff val="80000"/>
                 </a:schemeClr>
               </a:solidFill>
             </a:endParaRPr>
           </a:p>
           <a:p>
-            <a:endParaRPr lang="zh-TW" altLang="en-US" dirty="0">
+            <a:pPr algn="ctr"/>
+            <a:r>
+              <a:rPr lang="zh-TW" altLang="en-US" b="1" dirty="0">
+                <a:solidFill>
+                  <a:schemeClr val="accent5">
+                    <a:lumMod val="20000"/>
+                    <a:lumOff val="80000"/>
+                  </a:schemeClr>
+                </a:solidFill>
+              </a:rPr>
+              <a:t>能令教证法之大鼓响起者 </a:t>
+            </a:r>
+            <a:endParaRPr lang="en-CA" altLang="zh-TW" b="1" dirty="0">
               <a:solidFill>
-                <a:schemeClr val="tx1">
-                  <a:lumMod val="85000"/>
+                <a:schemeClr val="accent5">
+                  <a:lumMod val="20000"/>
+                  <a:lumOff val="80000"/>
                 </a:schemeClr>
               </a:solidFill>
             </a:endParaRPr>
@@ -9499,77 +8427,19 @@
             <a:r>
               <a:rPr lang="zh-TW" altLang="en-US" b="1" dirty="0">
                 <a:solidFill>
-                  <a:schemeClr val="tx1">
-                    <a:lumMod val="85000"/>
-                  </a:schemeClr>
-                </a:solidFill>
-              </a:rPr>
-              <a:t>此福愿获遍知果 </a:t>
-            </a:r>
-            <a:endParaRPr lang="en-CA" altLang="zh-TW" b="1" dirty="0">
-              <a:solidFill>
-                <a:schemeClr val="tx1">
-                  <a:lumMod val="85000"/>
-                </a:schemeClr>
-              </a:solidFill>
-            </a:endParaRPr>
-          </a:p>
-          <a:p>
-            <a:pPr algn="ctr"/>
-            <a:r>
-              <a:rPr lang="zh-TW" altLang="en-US" b="1" dirty="0">
-                <a:solidFill>
-                  <a:schemeClr val="tx1">
-                    <a:lumMod val="85000"/>
-                  </a:schemeClr>
-                </a:solidFill>
-              </a:rPr>
-              <a:t>摧毁一切过患敌</a:t>
+                  <a:schemeClr val="accent5">
+                    <a:lumMod val="20000"/>
+                    <a:lumOff val="80000"/>
+                  </a:schemeClr>
+                </a:solidFill>
+              </a:rPr>
+              <a:t>长久住世弘伟事业愿增长</a:t>
             </a:r>
             <a:endParaRPr lang="zh-TW" altLang="en-US" dirty="0">
               <a:solidFill>
-                <a:schemeClr val="tx1">
-                  <a:lumMod val="85000"/>
-                </a:schemeClr>
-              </a:solidFill>
-            </a:endParaRPr>
-          </a:p>
-          <a:p>
-            <a:pPr algn="ctr"/>
-            <a:r>
-              <a:rPr lang="zh-TW" altLang="en-US" b="1" dirty="0">
-                <a:solidFill>
-                  <a:schemeClr val="tx1">
-                    <a:lumMod val="85000"/>
-                  </a:schemeClr>
-                </a:solidFill>
-              </a:rPr>
-              <a:t>救度众生皆摆脱 </a:t>
-            </a:r>
-            <a:endParaRPr lang="en-CA" altLang="zh-TW" b="1" dirty="0">
-              <a:solidFill>
-                <a:schemeClr val="tx1">
-                  <a:lumMod val="85000"/>
-                </a:schemeClr>
-              </a:solidFill>
-            </a:endParaRPr>
-          </a:p>
-          <a:p>
-            <a:pPr algn="ctr"/>
-            <a:r>
-              <a:rPr lang="zh-TW" altLang="en-US" b="1" dirty="0">
-                <a:solidFill>
-                  <a:schemeClr val="tx1">
-                    <a:lumMod val="85000"/>
-                  </a:schemeClr>
-                </a:solidFill>
-              </a:rPr>
-              <a:t>生老病死三有海</a:t>
-            </a:r>
-            <a:endParaRPr lang="zh-TW" altLang="en-US" dirty="0">
-              <a:solidFill>
-                <a:schemeClr val="tx1">
-                  <a:lumMod val="85000"/>
+                <a:schemeClr val="accent5">
+                  <a:lumMod val="20000"/>
+                  <a:lumOff val="80000"/>
                 </a:schemeClr>
               </a:solidFill>
             </a:endParaRPr>
@@ -9638,7 +8508,7 @@
                   </a:schemeClr>
                 </a:solidFill>
               </a:rPr>
-              <a:t>文殊师利勇猛智 </a:t>
+              <a:t>以佛所获三身之加持 </a:t>
             </a:r>
             <a:endParaRPr lang="en-CA" altLang="zh-TW" b="1" dirty="0">
               <a:solidFill>
@@ -9660,7 +8530,7 @@
                   </a:schemeClr>
                 </a:solidFill>
               </a:rPr>
-              <a:t>普贤慧行亦复然</a:t>
+              <a:t>法性不变真谛之加持</a:t>
             </a:r>
             <a:endParaRPr lang="zh-TW" altLang="en-US" dirty="0">
               <a:solidFill>
@@ -9682,7 +8552,7 @@
                   </a:schemeClr>
                 </a:solidFill>
               </a:rPr>
-              <a:t>我今回向诸善根 </a:t>
+              <a:t>僧众不退意乐之加持 </a:t>
             </a:r>
             <a:endParaRPr lang="en-CA" altLang="zh-TW" b="1" dirty="0">
               <a:solidFill>
@@ -9704,9 +8574,31 @@
                   </a:schemeClr>
                 </a:solidFill>
               </a:rPr>
-              <a:t>随彼一切常修学</a:t>
-            </a:r>
-            <a:endParaRPr lang="zh-TW" altLang="en-US" dirty="0">
+              <a:t>如是回向发愿悉成就</a:t>
+            </a:r>
+            <a:r>
+              <a:rPr lang="zh-CN" altLang="en-US" b="1" dirty="0">
+                <a:solidFill>
+                  <a:schemeClr val="accent3">
+                    <a:lumMod val="40000"/>
+                    <a:lumOff val="60000"/>
+                  </a:schemeClr>
+                </a:solidFill>
+              </a:rPr>
+              <a:t> </a:t>
+            </a:r>
+            <a:r>
+              <a:rPr lang="zh-CN" altLang="en-US" sz="1200" b="1" dirty="0">
+                <a:solidFill>
+                  <a:schemeClr val="accent3">
+                    <a:lumMod val="40000"/>
+                    <a:lumOff val="60000"/>
+                  </a:schemeClr>
+                </a:solidFill>
+              </a:rPr>
+              <a:t> </a:t>
+            </a:r>
+            <a:endParaRPr lang="en-CA" altLang="zh-CN" sz="1200" b="1" dirty="0">
               <a:solidFill>
                 <a:schemeClr val="accent3">
                   <a:lumMod val="40000"/>
@@ -9717,6 +8609,17 @@
           </a:p>
           <a:p>
             <a:pPr algn="ctr"/>
+            <a:endParaRPr lang="en-US" altLang="zh-TW" sz="1200" dirty="0">
+              <a:solidFill>
+                <a:schemeClr val="accent3">
+                  <a:lumMod val="40000"/>
+                  <a:lumOff val="60000"/>
+                </a:schemeClr>
+              </a:solidFill>
+            </a:endParaRPr>
+          </a:p>
+          <a:p>
+            <a:pPr algn="ctr"/>
             <a:r>
               <a:rPr lang="zh-TW" altLang="en-US" b="1" dirty="0">
                 <a:solidFill>
@@ -9726,7 +8629,7 @@
                   </a:schemeClr>
                 </a:solidFill>
               </a:rPr>
-              <a:t>三世诸佛所称叹 </a:t>
+              <a:t>达雅塔 班赞哲雅 </a:t>
             </a:r>
             <a:endParaRPr lang="en-CA" altLang="zh-TW" b="1" dirty="0">
               <a:solidFill>
@@ -9748,21 +8651,10 @@
                   </a:schemeClr>
                 </a:solidFill>
               </a:rPr>
-              <a:t>如是最胜诸大愿</a:t>
-            </a:r>
-            <a:endParaRPr lang="zh-TW" altLang="en-US" dirty="0">
-              <a:solidFill>
-                <a:schemeClr val="accent3">
-                  <a:lumMod val="40000"/>
-                  <a:lumOff val="60000"/>
-                </a:schemeClr>
-              </a:solidFill>
-            </a:endParaRPr>
-          </a:p>
-          <a:p>
-            <a:pPr algn="ctr"/>
-            <a:r>
-              <a:rPr lang="zh-TW" altLang="en-US" b="1" dirty="0">
+              <a:t>阿哇波达呢 娑哈</a:t>
+            </a:r>
+            <a:r>
+              <a:rPr lang="zh-TW" altLang="en-US" dirty="0">
                 <a:solidFill>
                   <a:schemeClr val="accent3">
                     <a:lumMod val="40000"/>
@@ -9770,21 +8662,10 @@
                   </a:schemeClr>
                 </a:solidFill>
               </a:rPr>
-              <a:t>我今回向诸善根 </a:t>
-            </a:r>
-            <a:endParaRPr lang="en-CA" altLang="zh-TW" b="1" dirty="0">
-              <a:solidFill>
-                <a:schemeClr val="accent3">
-                  <a:lumMod val="40000"/>
-                  <a:lumOff val="60000"/>
-                </a:schemeClr>
-              </a:solidFill>
-            </a:endParaRPr>
-          </a:p>
-          <a:p>
-            <a:pPr algn="ctr"/>
-            <a:r>
-              <a:rPr lang="zh-TW" altLang="en-US" b="1" dirty="0">
+              <a:t> </a:t>
+            </a:r>
+            <a:r>
+              <a:rPr lang="en-US" altLang="zh-TW" sz="1200" dirty="0">
                 <a:solidFill>
                   <a:schemeClr val="accent3">
                     <a:lumMod val="40000"/>
@@ -9792,23 +8673,84 @@
                   </a:schemeClr>
                 </a:solidFill>
               </a:rPr>
-              <a:t>为得普贤殊胜行</a:t>
-            </a:r>
-            <a:endParaRPr lang="en-US" altLang="zh-TW" dirty="0">
-              <a:solidFill>
-                <a:schemeClr val="accent3">
-                  <a:lumMod val="40000"/>
-                  <a:lumOff val="60000"/>
-                </a:schemeClr>
-              </a:solidFill>
-            </a:endParaRPr>
+              <a:t>(</a:t>
+            </a:r>
+            <a:r>
+              <a:rPr lang="zh-TW" altLang="en-US" sz="1200" dirty="0">
+                <a:solidFill>
+                  <a:schemeClr val="accent3">
+                    <a:lumMod val="40000"/>
+                    <a:lumOff val="60000"/>
+                  </a:schemeClr>
+                </a:solidFill>
+              </a:rPr>
+              <a:t>成就所愿咒</a:t>
+            </a:r>
+            <a:r>
+              <a:rPr lang="en-US" altLang="zh-TW" sz="1200" dirty="0">
+                <a:solidFill>
+                  <a:schemeClr val="accent3">
+                    <a:lumMod val="40000"/>
+                    <a:lumOff val="60000"/>
+                  </a:schemeClr>
+                </a:solidFill>
+              </a:rPr>
+              <a:t>)</a:t>
+            </a:r>
+          </a:p>
+          <a:p>
+            <a:pPr algn="ctr"/>
+            <a:r>
+              <a:rPr lang="zh-TW" altLang="en-US" b="1" dirty="0">
+                <a:solidFill>
+                  <a:schemeClr val="accent3">
+                    <a:lumMod val="40000"/>
+                    <a:lumOff val="60000"/>
+                  </a:schemeClr>
+                </a:solidFill>
+              </a:rPr>
+              <a:t>嗡啊吽 班杂格热班玛 色德吽</a:t>
+            </a:r>
+            <a:r>
+              <a:rPr lang="en-US" altLang="zh-TW" sz="1200" dirty="0">
+                <a:solidFill>
+                  <a:schemeClr val="accent3">
+                    <a:lumMod val="40000"/>
+                    <a:lumOff val="60000"/>
+                  </a:schemeClr>
+                </a:solidFill>
+              </a:rPr>
+              <a:t>(3</a:t>
+            </a:r>
+            <a:r>
+              <a:rPr lang="zh-TW" altLang="en-US" sz="1200" dirty="0">
+                <a:solidFill>
+                  <a:schemeClr val="accent3">
+                    <a:lumMod val="40000"/>
+                    <a:lumOff val="60000"/>
+                  </a:schemeClr>
+                </a:solidFill>
+              </a:rPr>
+              <a:t>遍</a:t>
+            </a:r>
+            <a:r>
+              <a:rPr lang="en-US" altLang="zh-TW" sz="1200" dirty="0">
+                <a:solidFill>
+                  <a:schemeClr val="accent3">
+                    <a:lumMod val="40000"/>
+                    <a:lumOff val="60000"/>
+                  </a:schemeClr>
+                </a:solidFill>
+              </a:rPr>
+              <a:t>)</a:t>
+            </a:r>
           </a:p>
         </p:txBody>
       </p:sp>
     </p:spTree>
     <p:extLst>
       <p:ext uri="{BB962C8B-B14F-4D97-AF65-F5344CB8AC3E}">
-        <p14:creationId xmlns:p14="http://schemas.microsoft.com/office/powerpoint/2010/main" val="1797106279"/>
+        <p14:creationId xmlns:p14="http://schemas.microsoft.com/office/powerpoint/2010/main" val="1208252646"/>
       </p:ext>
     </p:extLst>
   </p:cSld>
@@ -9858,89 +8800,207 @@
           </a:bodyPr>
           <a:lstStyle/>
           <a:p>
-            <a:pPr algn="ctr"/>
             <a:r>
               <a:rPr lang="zh-TW" altLang="en-US" b="1" dirty="0">
                 <a:solidFill>
-                  <a:schemeClr val="accent2">
-                    <a:lumMod val="40000"/>
-                    <a:lumOff val="60000"/>
-                  </a:schemeClr>
-                </a:solidFill>
-              </a:rPr>
-              <a:t>生生世世不离师 </a:t>
-            </a:r>
-            <a:endParaRPr lang="en-CA" altLang="zh-TW" b="1" dirty="0">
+                  <a:schemeClr val="accent5">
+                    <a:lumMod val="20000"/>
+                    <a:lumOff val="80000"/>
+                  </a:schemeClr>
+                </a:solidFill>
+              </a:rPr>
+              <a:t>回向给</a:t>
+            </a:r>
+            <a:r>
+              <a:rPr lang="zh-CN" altLang="en-US" b="1" dirty="0">
+                <a:solidFill>
+                  <a:schemeClr val="accent5">
+                    <a:lumMod val="20000"/>
+                    <a:lumOff val="80000"/>
+                  </a:schemeClr>
+                </a:solidFill>
+              </a:rPr>
+              <a:t> </a:t>
+            </a:r>
+            <a:r>
+              <a:rPr lang="zh-TW" altLang="en-US" b="1" dirty="0">
+                <a:solidFill>
+                  <a:schemeClr val="accent5">
+                    <a:lumMod val="20000"/>
+                    <a:lumOff val="80000"/>
+                  </a:schemeClr>
+                </a:solidFill>
+              </a:rPr>
+              <a:t>大恩上师</a:t>
+            </a:r>
+            <a:r>
+              <a:rPr lang="zh-CN" altLang="en-US" b="1" dirty="0">
+                <a:solidFill>
+                  <a:schemeClr val="accent5">
+                    <a:lumMod val="20000"/>
+                    <a:lumOff val="80000"/>
+                  </a:schemeClr>
+                </a:solidFill>
+              </a:rPr>
+              <a:t> </a:t>
+            </a:r>
+            <a:r>
+              <a:rPr lang="zh-TW" altLang="en-US" b="1" dirty="0">
+                <a:solidFill>
+                  <a:schemeClr val="accent5">
+                    <a:lumMod val="20000"/>
+                    <a:lumOff val="80000"/>
+                  </a:schemeClr>
+                </a:solidFill>
+              </a:rPr>
+              <a:t>堪钦慈诚罗珠仁波切</a:t>
+            </a:r>
+            <a:r>
+              <a:rPr lang="zh-CN" altLang="en-US" dirty="0">
+                <a:solidFill>
+                  <a:schemeClr val="accent5">
+                    <a:lumMod val="20000"/>
+                    <a:lumOff val="80000"/>
+                  </a:schemeClr>
+                </a:solidFill>
+              </a:rPr>
+              <a:t> </a:t>
+            </a:r>
+            <a:r>
+              <a:rPr lang="zh-TW" altLang="en-US" b="1" dirty="0">
+                <a:solidFill>
+                  <a:schemeClr val="accent5">
+                    <a:lumMod val="20000"/>
+                    <a:lumOff val="80000"/>
+                  </a:schemeClr>
+                </a:solidFill>
+              </a:rPr>
+              <a:t>所有现今</a:t>
+            </a:r>
+            <a:r>
+              <a:rPr lang="zh-CN" altLang="en-US" b="1">
+                <a:solidFill>
+                  <a:schemeClr val="accent5">
+                    <a:lumMod val="20000"/>
+                    <a:lumOff val="80000"/>
+                  </a:schemeClr>
+                </a:solidFill>
+              </a:rPr>
+              <a:t> </a:t>
+            </a:r>
+            <a:r>
+              <a:rPr lang="zh-TW" altLang="en-US" b="1">
+                <a:solidFill>
+                  <a:schemeClr val="accent5">
+                    <a:lumMod val="20000"/>
+                    <a:lumOff val="80000"/>
+                  </a:schemeClr>
+                </a:solidFill>
+              </a:rPr>
+              <a:t>住</a:t>
+            </a:r>
+            <a:r>
+              <a:rPr lang="zh-TW" altLang="en-US" b="1" dirty="0">
+                <a:solidFill>
+                  <a:schemeClr val="accent5">
+                    <a:lumMod val="20000"/>
+                    <a:lumOff val="80000"/>
+                  </a:schemeClr>
+                </a:solidFill>
+              </a:rPr>
+              <a:t>世的高僧大德们</a:t>
+            </a:r>
+            <a:endParaRPr lang="zh-TW" altLang="en-US" dirty="0">
               <a:solidFill>
-                <a:schemeClr val="accent2">
-                  <a:lumMod val="40000"/>
-                  <a:lumOff val="60000"/>
+                <a:schemeClr val="accent5">
+                  <a:lumMod val="20000"/>
+                  <a:lumOff val="80000"/>
                 </a:schemeClr>
               </a:solidFill>
             </a:endParaRPr>
           </a:p>
           <a:p>
-            <a:pPr algn="ctr"/>
             <a:r>
               <a:rPr lang="zh-TW" altLang="en-US" b="1" dirty="0">
                 <a:solidFill>
-                  <a:schemeClr val="accent2">
-                    <a:lumMod val="40000"/>
-                    <a:lumOff val="60000"/>
-                  </a:schemeClr>
-                </a:solidFill>
-              </a:rPr>
-              <a:t>恒时享用胜法乐</a:t>
+                  <a:schemeClr val="accent5">
+                    <a:lumMod val="20000"/>
+                    <a:lumOff val="80000"/>
+                  </a:schemeClr>
+                </a:solidFill>
+              </a:rPr>
+              <a:t>愿您们</a:t>
+            </a:r>
+            <a:r>
+              <a:rPr lang="zh-CN" altLang="en-US" b="1" dirty="0">
+                <a:solidFill>
+                  <a:schemeClr val="accent5">
+                    <a:lumMod val="20000"/>
+                    <a:lumOff val="80000"/>
+                  </a:schemeClr>
+                </a:solidFill>
+              </a:rPr>
+              <a:t> </a:t>
+            </a:r>
+            <a:r>
+              <a:rPr lang="zh-TW" altLang="en-US" b="1" dirty="0">
+                <a:solidFill>
+                  <a:schemeClr val="accent5">
+                    <a:lumMod val="20000"/>
+                    <a:lumOff val="80000"/>
+                  </a:schemeClr>
+                </a:solidFill>
+              </a:rPr>
+              <a:t>法体安康 长久住世 广转法轮 弘法利生事业</a:t>
+            </a:r>
+            <a:r>
+              <a:rPr lang="zh-CN" altLang="en-US" b="1" dirty="0">
+                <a:solidFill>
+                  <a:schemeClr val="accent5">
+                    <a:lumMod val="20000"/>
+                    <a:lumOff val="80000"/>
+                  </a:schemeClr>
+                </a:solidFill>
+              </a:rPr>
+              <a:t> </a:t>
+            </a:r>
+            <a:r>
+              <a:rPr lang="zh-TW" altLang="en-US" b="1" dirty="0">
+                <a:solidFill>
+                  <a:schemeClr val="accent5">
+                    <a:lumMod val="20000"/>
+                    <a:lumOff val="80000"/>
+                  </a:schemeClr>
+                </a:solidFill>
+              </a:rPr>
+              <a:t>吉祥圆满 广大无碍</a:t>
             </a:r>
             <a:endParaRPr lang="zh-TW" altLang="en-US" dirty="0">
               <a:solidFill>
-                <a:schemeClr val="accent2">
-                  <a:lumMod val="40000"/>
-                  <a:lumOff val="60000"/>
+                <a:schemeClr val="accent5">
+                  <a:lumMod val="20000"/>
+                  <a:lumOff val="80000"/>
                 </a:schemeClr>
               </a:solidFill>
             </a:endParaRPr>
           </a:p>
           <a:p>
-            <a:pPr algn="ctr"/>
             <a:r>
               <a:rPr lang="zh-TW" altLang="en-US" b="1" dirty="0">
                 <a:solidFill>
-                  <a:schemeClr val="accent2">
-                    <a:lumMod val="40000"/>
-                    <a:lumOff val="60000"/>
-                  </a:schemeClr>
-                </a:solidFill>
-              </a:rPr>
-              <a:t>圆满地道功德已 </a:t>
-            </a:r>
-            <a:endParaRPr lang="en-CA" altLang="zh-TW" b="1" dirty="0">
-              <a:solidFill>
-                <a:schemeClr val="accent2">
-                  <a:lumMod val="40000"/>
-                  <a:lumOff val="60000"/>
-                </a:schemeClr>
-              </a:solidFill>
-            </a:endParaRPr>
-          </a:p>
-          <a:p>
-            <a:pPr algn="ctr"/>
-            <a:r>
-              <a:rPr lang="zh-TW" altLang="en-US" b="1" dirty="0">
-                <a:solidFill>
-                  <a:schemeClr val="accent2">
-                    <a:lumMod val="40000"/>
-                    <a:lumOff val="60000"/>
-                  </a:schemeClr>
-                </a:solidFill>
-              </a:rPr>
-              <a:t>唯愿速得金刚持</a:t>
+                  <a:schemeClr val="accent5">
+                    <a:lumMod val="20000"/>
+                    <a:lumOff val="80000"/>
+                  </a:schemeClr>
+                </a:solidFill>
+              </a:rPr>
+              <a:t>回向给三界六道一切如母有情 获得暂时的安乐与究竟的解脱</a:t>
             </a:r>
             <a:endParaRPr lang="zh-TW" altLang="en-US" dirty="0">
               <a:solidFill>
-                <a:schemeClr val="accent2">
-                  <a:lumMod val="40000"/>
-                  <a:lumOff val="60000"/>
+                <a:schemeClr val="accent5">
+                  <a:lumMod val="20000"/>
+                  <a:lumOff val="80000"/>
                 </a:schemeClr>
               </a:solidFill>
             </a:endParaRPr>
@@ -9999,7 +9059,6 @@
           </a:bodyPr>
           <a:lstStyle/>
           <a:p>
-            <a:pPr algn="ctr"/>
             <a:r>
               <a:rPr lang="zh-TW" altLang="en-US" b="1" dirty="0">
                 <a:solidFill>
@@ -10009,29 +9068,7 @@
                   </a:schemeClr>
                 </a:solidFill>
               </a:rPr>
-              <a:t>文殊师利勇猛智 </a:t>
-            </a:r>
-            <a:endParaRPr lang="en-CA" altLang="zh-TW" b="1" dirty="0">
-              <a:solidFill>
-                <a:schemeClr val="accent3">
-                  <a:lumMod val="40000"/>
-                  <a:lumOff val="60000"/>
-                </a:schemeClr>
-              </a:solidFill>
-            </a:endParaRPr>
-          </a:p>
-          <a:p>
-            <a:pPr algn="ctr"/>
-            <a:r>
-              <a:rPr lang="zh-TW" altLang="en-US" b="1" dirty="0">
-                <a:solidFill>
-                  <a:schemeClr val="accent3">
-                    <a:lumMod val="40000"/>
-                    <a:lumOff val="60000"/>
-                  </a:schemeClr>
-                </a:solidFill>
-              </a:rPr>
-              <a:t>普贤慧行亦复然</a:t>
+              <a:t>愿以此功德</a:t>
             </a:r>
             <a:endParaRPr lang="zh-TW" altLang="en-US" dirty="0">
               <a:solidFill>
@@ -10043,7 +9080,6 @@
             </a:endParaRPr>
           </a:p>
           <a:p>
-            <a:pPr algn="ctr"/>
             <a:r>
               <a:rPr lang="zh-TW" altLang="en-US" b="1" dirty="0">
                 <a:solidFill>
@@ -10053,29 +9089,7 @@
                   </a:schemeClr>
                 </a:solidFill>
               </a:rPr>
-              <a:t>我今回向诸善根 </a:t>
-            </a:r>
-            <a:endParaRPr lang="en-CA" altLang="zh-TW" b="1" dirty="0">
-              <a:solidFill>
-                <a:schemeClr val="accent3">
-                  <a:lumMod val="40000"/>
-                  <a:lumOff val="60000"/>
-                </a:schemeClr>
-              </a:solidFill>
-            </a:endParaRPr>
-          </a:p>
-          <a:p>
-            <a:pPr algn="ctr"/>
-            <a:r>
-              <a:rPr lang="zh-TW" altLang="en-US" b="1" dirty="0">
-                <a:solidFill>
-                  <a:schemeClr val="accent3">
-                    <a:lumMod val="40000"/>
-                    <a:lumOff val="60000"/>
-                  </a:schemeClr>
-                </a:solidFill>
-              </a:rPr>
-              <a:t>随彼一切常修学</a:t>
+              <a:t>以及过去 现在 未来 所有的善根功德</a:t>
             </a:r>
             <a:endParaRPr lang="zh-TW" altLang="en-US" dirty="0">
               <a:solidFill>
@@ -10087,7 +9101,6 @@
             </a:endParaRPr>
           </a:p>
           <a:p>
-            <a:pPr algn="ctr"/>
             <a:r>
               <a:rPr lang="zh-TW" altLang="en-US" b="1" dirty="0">
                 <a:solidFill>
@@ -10097,29 +9110,7 @@
                   </a:schemeClr>
                 </a:solidFill>
               </a:rPr>
-              <a:t>三世诸佛所称叹 </a:t>
-            </a:r>
-            <a:endParaRPr lang="en-CA" altLang="zh-TW" b="1" dirty="0">
-              <a:solidFill>
-                <a:schemeClr val="accent3">
-                  <a:lumMod val="40000"/>
-                  <a:lumOff val="60000"/>
-                </a:schemeClr>
-              </a:solidFill>
-            </a:endParaRPr>
-          </a:p>
-          <a:p>
-            <a:pPr algn="ctr"/>
-            <a:r>
-              <a:rPr lang="zh-TW" altLang="en-US" b="1" dirty="0">
-                <a:solidFill>
-                  <a:schemeClr val="accent3">
-                    <a:lumMod val="40000"/>
-                    <a:lumOff val="60000"/>
-                  </a:schemeClr>
-                </a:solidFill>
-              </a:rPr>
-              <a:t>如是最胜诸大愿</a:t>
+              <a:t>诸佛菩萨的无漏善根功德</a:t>
             </a:r>
             <a:endParaRPr lang="zh-TW" altLang="en-US" dirty="0">
               <a:solidFill>
@@ -10131,7 +9122,6 @@
             </a:endParaRPr>
           </a:p>
           <a:p>
-            <a:pPr algn="ctr"/>
             <a:r>
               <a:rPr lang="zh-TW" altLang="en-US" b="1" dirty="0">
                 <a:solidFill>
@@ -10141,9 +9131,9 @@
                   </a:schemeClr>
                 </a:solidFill>
               </a:rPr>
-              <a:t>我今回向诸善根 </a:t>
-            </a:r>
-            <a:endParaRPr lang="en-CA" altLang="zh-TW" b="1" dirty="0">
+              <a:t>众生有漏的善根功德 汇集于一处</a:t>
+            </a:r>
+            <a:endParaRPr lang="zh-TW" altLang="en-US" dirty="0">
               <a:solidFill>
                 <a:schemeClr val="accent3">
                   <a:lumMod val="40000"/>
@@ -10153,7 +9143,6 @@
             </a:endParaRPr>
           </a:p>
           <a:p>
-            <a:pPr algn="ctr"/>
             <a:r>
               <a:rPr lang="zh-TW" altLang="en-US" b="1" dirty="0">
                 <a:solidFill>
@@ -10163,9 +9152,19 @@
                   </a:schemeClr>
                 </a:solidFill>
               </a:rPr>
-              <a:t>为得普贤殊胜行</a:t>
-            </a:r>
-            <a:endParaRPr lang="en-US" altLang="zh-TW" dirty="0">
+              <a:t>以如梦如幻的方式回向</a:t>
+            </a:r>
+            <a:br>
+              <a:rPr lang="zh-TW" altLang="en-US" dirty="0">
+                <a:solidFill>
+                  <a:schemeClr val="accent3">
+                    <a:lumMod val="40000"/>
+                    <a:lumOff val="60000"/>
+                  </a:schemeClr>
+                </a:solidFill>
+              </a:rPr>
+            </a:br>
+            <a:endParaRPr lang="en-US" altLang="zh-TW" sz="1200" dirty="0">
               <a:solidFill>
                 <a:schemeClr val="accent3">
                   <a:lumMod val="40000"/>
@@ -10179,7 +9178,7 @@
     </p:spTree>
     <p:extLst>
       <p:ext uri="{BB962C8B-B14F-4D97-AF65-F5344CB8AC3E}">
-        <p14:creationId xmlns:p14="http://schemas.microsoft.com/office/powerpoint/2010/main" val="2648630330"/>
+        <p14:creationId xmlns:p14="http://schemas.microsoft.com/office/powerpoint/2010/main" val="3240431292"/>
       </p:ext>
     </p:extLst>
   </p:cSld>
@@ -10233,19 +9232,19 @@
             <a:r>
               <a:rPr lang="zh-TW" altLang="en-US" b="1" dirty="0">
                 <a:solidFill>
-                  <a:schemeClr val="accent2">
-                    <a:lumMod val="40000"/>
-                    <a:lumOff val="60000"/>
-                  </a:schemeClr>
-                </a:solidFill>
-              </a:rPr>
-              <a:t>生生世世不离师 </a:t>
+                  <a:schemeClr val="accent5">
+                    <a:lumMod val="20000"/>
+                    <a:lumOff val="80000"/>
+                  </a:schemeClr>
+                </a:solidFill>
+              </a:rPr>
+              <a:t>愿我临欲命终时 </a:t>
             </a:r>
             <a:endParaRPr lang="en-CA" altLang="zh-TW" b="1" dirty="0">
               <a:solidFill>
-                <a:schemeClr val="accent2">
-                  <a:lumMod val="40000"/>
-                  <a:lumOff val="60000"/>
+                <a:schemeClr val="accent5">
+                  <a:lumMod val="20000"/>
+                  <a:lumOff val="80000"/>
                 </a:schemeClr>
               </a:solidFill>
             </a:endParaRPr>
@@ -10255,19 +9254,19 @@
             <a:r>
               <a:rPr lang="zh-TW" altLang="en-US" b="1" dirty="0">
                 <a:solidFill>
-                  <a:schemeClr val="accent2">
-                    <a:lumMod val="40000"/>
-                    <a:lumOff val="60000"/>
-                  </a:schemeClr>
-                </a:solidFill>
-              </a:rPr>
-              <a:t>恒时享用胜法乐</a:t>
+                  <a:schemeClr val="accent5">
+                    <a:lumMod val="20000"/>
+                    <a:lumOff val="80000"/>
+                  </a:schemeClr>
+                </a:solidFill>
+              </a:rPr>
+              <a:t>尽除一切诸障碍</a:t>
             </a:r>
             <a:endParaRPr lang="zh-TW" altLang="en-US" dirty="0">
               <a:solidFill>
-                <a:schemeClr val="accent2">
-                  <a:lumMod val="40000"/>
-                  <a:lumOff val="60000"/>
+                <a:schemeClr val="accent5">
+                  <a:lumMod val="20000"/>
+                  <a:lumOff val="80000"/>
                 </a:schemeClr>
               </a:solidFill>
             </a:endParaRPr>
@@ -10277,19 +9276,19 @@
             <a:r>
               <a:rPr lang="zh-TW" altLang="en-US" b="1" dirty="0">
                 <a:solidFill>
-                  <a:schemeClr val="accent2">
-                    <a:lumMod val="40000"/>
-                    <a:lumOff val="60000"/>
-                  </a:schemeClr>
-                </a:solidFill>
-              </a:rPr>
-              <a:t>圆满地道功德已 </a:t>
+                  <a:schemeClr val="accent5">
+                    <a:lumMod val="20000"/>
+                    <a:lumOff val="80000"/>
+                  </a:schemeClr>
+                </a:solidFill>
+              </a:rPr>
+              <a:t>面见彼佛阿弥陀 </a:t>
             </a:r>
             <a:endParaRPr lang="en-CA" altLang="zh-TW" b="1" dirty="0">
               <a:solidFill>
-                <a:schemeClr val="accent2">
-                  <a:lumMod val="40000"/>
-                  <a:lumOff val="60000"/>
+                <a:schemeClr val="accent5">
+                  <a:lumMod val="20000"/>
+                  <a:lumOff val="80000"/>
                 </a:schemeClr>
               </a:solidFill>
             </a:endParaRPr>
@@ -10299,19 +9298,107 @@
             <a:r>
               <a:rPr lang="zh-TW" altLang="en-US" b="1" dirty="0">
                 <a:solidFill>
-                  <a:schemeClr val="accent2">
-                    <a:lumMod val="40000"/>
-                    <a:lumOff val="60000"/>
-                  </a:schemeClr>
-                </a:solidFill>
-              </a:rPr>
-              <a:t>唯愿速得金刚持</a:t>
+                  <a:schemeClr val="accent5">
+                    <a:lumMod val="20000"/>
+                    <a:lumOff val="80000"/>
+                  </a:schemeClr>
+                </a:solidFill>
+              </a:rPr>
+              <a:t>即得往生安乐刹</a:t>
             </a:r>
             <a:endParaRPr lang="zh-TW" altLang="en-US" dirty="0">
               <a:solidFill>
-                <a:schemeClr val="accent2">
-                  <a:lumMod val="40000"/>
-                  <a:lumOff val="60000"/>
+                <a:schemeClr val="accent5">
+                  <a:lumMod val="20000"/>
+                  <a:lumOff val="80000"/>
+                </a:schemeClr>
+              </a:solidFill>
+            </a:endParaRPr>
+          </a:p>
+          <a:p>
+            <a:pPr algn="ctr"/>
+            <a:r>
+              <a:rPr lang="zh-TW" altLang="en-US" b="1" dirty="0">
+                <a:solidFill>
+                  <a:schemeClr val="accent5">
+                    <a:lumMod val="20000"/>
+                    <a:lumOff val="80000"/>
+                  </a:schemeClr>
+                </a:solidFill>
+              </a:rPr>
+              <a:t>我此普贤殊胜行 </a:t>
+            </a:r>
+            <a:endParaRPr lang="en-CA" altLang="zh-TW" b="1" dirty="0">
+              <a:solidFill>
+                <a:schemeClr val="accent5">
+                  <a:lumMod val="20000"/>
+                  <a:lumOff val="80000"/>
+                </a:schemeClr>
+              </a:solidFill>
+            </a:endParaRPr>
+          </a:p>
+          <a:p>
+            <a:pPr algn="ctr"/>
+            <a:r>
+              <a:rPr lang="zh-TW" altLang="en-US" b="1" dirty="0">
+                <a:solidFill>
+                  <a:schemeClr val="accent5">
+                    <a:lumMod val="20000"/>
+                    <a:lumOff val="80000"/>
+                  </a:schemeClr>
+                </a:solidFill>
+              </a:rPr>
+              <a:t>无边胜福皆回向</a:t>
+            </a:r>
+            <a:endParaRPr lang="zh-TW" altLang="en-US" dirty="0">
+              <a:solidFill>
+                <a:schemeClr val="accent5">
+                  <a:lumMod val="20000"/>
+                  <a:lumOff val="80000"/>
+                </a:schemeClr>
+              </a:solidFill>
+            </a:endParaRPr>
+          </a:p>
+          <a:p>
+            <a:pPr algn="ctr"/>
+            <a:r>
+              <a:rPr lang="zh-TW" altLang="en-US" b="1" dirty="0">
+                <a:solidFill>
+                  <a:schemeClr val="accent5">
+                    <a:lumMod val="20000"/>
+                    <a:lumOff val="80000"/>
+                  </a:schemeClr>
+                </a:solidFill>
+              </a:rPr>
+              <a:t>普愿沉溺诸众生 </a:t>
+            </a:r>
+            <a:endParaRPr lang="en-CA" altLang="zh-TW" b="1" dirty="0">
+              <a:solidFill>
+                <a:schemeClr val="accent5">
+                  <a:lumMod val="20000"/>
+                  <a:lumOff val="80000"/>
+                </a:schemeClr>
+              </a:solidFill>
+            </a:endParaRPr>
+          </a:p>
+          <a:p>
+            <a:pPr algn="ctr"/>
+            <a:r>
+              <a:rPr lang="zh-TW" altLang="en-US" b="1" dirty="0">
+                <a:solidFill>
+                  <a:schemeClr val="accent5">
+                    <a:lumMod val="20000"/>
+                    <a:lumOff val="80000"/>
+                  </a:schemeClr>
+                </a:solidFill>
+              </a:rPr>
+              <a:t>速往无量光佛刹</a:t>
+            </a:r>
+            <a:endParaRPr lang="zh-TW" altLang="en-US" dirty="0">
+              <a:solidFill>
+                <a:schemeClr val="accent5">
+                  <a:lumMod val="20000"/>
+                  <a:lumOff val="80000"/>
                 </a:schemeClr>
               </a:solidFill>
             </a:endParaRPr>
@@ -10374,17 +9461,19 @@
             <a:r>
               <a:rPr lang="zh-TW" altLang="en-US" b="1" dirty="0">
                 <a:solidFill>
-                  <a:schemeClr val="tx1">
-                    <a:lumMod val="85000"/>
-                  </a:schemeClr>
-                </a:solidFill>
-              </a:rPr>
-              <a:t>以佛所获三身之加持 </a:t>
+                  <a:schemeClr val="accent3">
+                    <a:lumMod val="40000"/>
+                    <a:lumOff val="60000"/>
+                  </a:schemeClr>
+                </a:solidFill>
+              </a:rPr>
+              <a:t>愿我生生世世圣法王 </a:t>
             </a:r>
             <a:endParaRPr lang="en-CA" altLang="zh-TW" b="1" dirty="0">
               <a:solidFill>
-                <a:schemeClr val="tx1">
-                  <a:lumMod val="85000"/>
+                <a:schemeClr val="accent3">
+                  <a:lumMod val="40000"/>
+                  <a:lumOff val="60000"/>
                 </a:schemeClr>
               </a:solidFill>
             </a:endParaRPr>
@@ -10394,17 +9483,19 @@
             <a:r>
               <a:rPr lang="zh-TW" altLang="en-US" b="1" dirty="0">
                 <a:solidFill>
-                  <a:schemeClr val="tx1">
-                    <a:lumMod val="85000"/>
-                  </a:schemeClr>
-                </a:solidFill>
-              </a:rPr>
-              <a:t>法性不变真谛之加持</a:t>
+                  <a:schemeClr val="accent3">
+                    <a:lumMod val="40000"/>
+                    <a:lumOff val="60000"/>
+                  </a:schemeClr>
+                </a:solidFill>
+              </a:rPr>
+              <a:t>上师三密加持入于心</a:t>
             </a:r>
             <a:endParaRPr lang="zh-TW" altLang="en-US" dirty="0">
               <a:solidFill>
-                <a:schemeClr val="tx1">
-                  <a:lumMod val="85000"/>
+                <a:schemeClr val="accent3">
+                  <a:lumMod val="40000"/>
+                  <a:lumOff val="60000"/>
                 </a:schemeClr>
               </a:solidFill>
             </a:endParaRPr>
@@ -10414,17 +9505,19 @@
             <a:r>
               <a:rPr lang="zh-TW" altLang="en-US" b="1" dirty="0">
                 <a:solidFill>
-                  <a:schemeClr val="tx1">
-                    <a:lumMod val="85000"/>
-                  </a:schemeClr>
-                </a:solidFill>
-              </a:rPr>
-              <a:t>僧众不退意乐之加持 </a:t>
+                  <a:schemeClr val="accent3">
+                    <a:lumMod val="40000"/>
+                    <a:lumOff val="60000"/>
+                  </a:schemeClr>
+                </a:solidFill>
+              </a:rPr>
+              <a:t>成为首座眷属及长子 </a:t>
             </a:r>
             <a:endParaRPr lang="en-CA" altLang="zh-TW" b="1" dirty="0">
               <a:solidFill>
-                <a:schemeClr val="tx1">
-                  <a:lumMod val="85000"/>
+                <a:schemeClr val="accent3">
+                  <a:lumMod val="40000"/>
+                  <a:lumOff val="60000"/>
                 </a:schemeClr>
               </a:solidFill>
             </a:endParaRPr>
@@ -10434,173 +9527,29 @@
             <a:r>
               <a:rPr lang="zh-TW" altLang="en-US" b="1" dirty="0">
                 <a:solidFill>
-                  <a:schemeClr val="tx1">
-                    <a:lumMod val="85000"/>
-                  </a:schemeClr>
-                </a:solidFill>
-              </a:rPr>
-              <a:t>如是回向发愿悉成就</a:t>
-            </a:r>
-            <a:r>
-              <a:rPr lang="zh-CN" altLang="en-US" b="1" dirty="0">
-                <a:solidFill>
-                  <a:schemeClr val="tx1">
-                    <a:lumMod val="85000"/>
-                  </a:schemeClr>
-                </a:solidFill>
-              </a:rPr>
-              <a:t> </a:t>
-            </a:r>
-            <a:r>
-              <a:rPr lang="zh-CN" altLang="en-US" sz="1200" b="1" dirty="0">
-                <a:solidFill>
-                  <a:schemeClr val="tx1">
-                    <a:lumMod val="85000"/>
-                  </a:schemeClr>
-                </a:solidFill>
-              </a:rPr>
-              <a:t> </a:t>
-            </a:r>
-            <a:endParaRPr lang="en-CA" altLang="zh-CN" sz="1200" b="1" dirty="0">
+                  <a:schemeClr val="accent3">
+                    <a:lumMod val="40000"/>
+                    <a:lumOff val="60000"/>
+                  </a:schemeClr>
+                </a:solidFill>
+              </a:rPr>
+              <a:t>增广弘法利生事业者</a:t>
+            </a:r>
+            <a:endParaRPr lang="zh-TW" altLang="en-US" dirty="0">
               <a:solidFill>
-                <a:schemeClr val="tx1">
-                  <a:lumMod val="85000"/>
+                <a:schemeClr val="accent3">
+                  <a:lumMod val="40000"/>
+                  <a:lumOff val="60000"/>
                 </a:schemeClr>
               </a:solidFill>
             </a:endParaRPr>
           </a:p>
-          <a:p>
-            <a:pPr algn="ctr"/>
-            <a:endParaRPr lang="en-US" altLang="zh-TW" sz="1200" dirty="0">
-              <a:solidFill>
-                <a:schemeClr val="tx1">
-                  <a:lumMod val="85000"/>
-                </a:schemeClr>
-              </a:solidFill>
-            </a:endParaRPr>
-          </a:p>
-          <a:p>
-            <a:pPr algn="ctr"/>
-            <a:r>
-              <a:rPr lang="zh-TW" altLang="en-US" b="1" dirty="0">
-                <a:solidFill>
-                  <a:schemeClr val="tx1">
-                    <a:lumMod val="85000"/>
-                  </a:schemeClr>
-                </a:solidFill>
-              </a:rPr>
-              <a:t>达雅塔 班赞哲雅 </a:t>
-            </a:r>
-            <a:endParaRPr lang="en-CA" altLang="zh-TW" b="1" dirty="0">
-              <a:solidFill>
-                <a:schemeClr val="tx1">
-                  <a:lumMod val="85000"/>
-                </a:schemeClr>
-              </a:solidFill>
-            </a:endParaRPr>
-          </a:p>
-          <a:p>
-            <a:pPr algn="ctr"/>
-            <a:r>
-              <a:rPr lang="zh-TW" altLang="en-US" b="1" dirty="0">
-                <a:solidFill>
-                  <a:schemeClr val="tx1">
-                    <a:lumMod val="85000"/>
-                  </a:schemeClr>
-                </a:solidFill>
-              </a:rPr>
-              <a:t>阿哇波达呢 娑哈</a:t>
-            </a:r>
-            <a:r>
-              <a:rPr lang="zh-TW" altLang="en-US" dirty="0">
-                <a:solidFill>
-                  <a:schemeClr val="tx1">
-                    <a:lumMod val="85000"/>
-                  </a:schemeClr>
-                </a:solidFill>
-              </a:rPr>
-              <a:t> </a:t>
-            </a:r>
-            <a:r>
-              <a:rPr lang="en-US" altLang="zh-TW" sz="1200" dirty="0">
-                <a:solidFill>
-                  <a:schemeClr val="tx1">
-                    <a:lumMod val="85000"/>
-                  </a:schemeClr>
-                </a:solidFill>
-              </a:rPr>
-              <a:t>(</a:t>
-            </a:r>
-            <a:r>
-              <a:rPr lang="zh-TW" altLang="en-US" sz="1200" dirty="0">
-                <a:solidFill>
-                  <a:schemeClr val="tx1">
-                    <a:lumMod val="85000"/>
-                  </a:schemeClr>
-                </a:solidFill>
-              </a:rPr>
-              <a:t>成就所愿咒</a:t>
-            </a:r>
-            <a:r>
-              <a:rPr lang="en-US" altLang="zh-TW" sz="1200" dirty="0">
-                <a:solidFill>
-                  <a:schemeClr val="tx1">
-                    <a:lumMod val="85000"/>
-                  </a:schemeClr>
-                </a:solidFill>
-              </a:rPr>
-              <a:t>)</a:t>
-            </a:r>
-          </a:p>
-          <a:p>
-            <a:pPr algn="ctr"/>
-            <a:r>
-              <a:rPr lang="zh-TW" altLang="en-US" b="1" dirty="0">
-                <a:solidFill>
-                  <a:schemeClr val="tx1">
-                    <a:lumMod val="85000"/>
-                  </a:schemeClr>
-                </a:solidFill>
-              </a:rPr>
-              <a:t>嗡啊吽 班杂格热班玛 色德吽</a:t>
-            </a:r>
-            <a:r>
-              <a:rPr lang="en-US" altLang="zh-TW" sz="1200" dirty="0">
-                <a:solidFill>
-                  <a:schemeClr val="tx1">
-                    <a:lumMod val="85000"/>
-                  </a:schemeClr>
-                </a:solidFill>
-              </a:rPr>
-              <a:t>(3</a:t>
-            </a:r>
-            <a:r>
-              <a:rPr lang="zh-TW" altLang="en-US" sz="1200" dirty="0">
-                <a:solidFill>
-                  <a:schemeClr val="tx1">
-                    <a:lumMod val="85000"/>
-                  </a:schemeClr>
-                </a:solidFill>
-              </a:rPr>
-              <a:t>遍</a:t>
-            </a:r>
-            <a:r>
-              <a:rPr lang="en-US" altLang="zh-TW" sz="1200" dirty="0">
-                <a:solidFill>
-                  <a:schemeClr val="tx1">
-                    <a:lumMod val="85000"/>
-                  </a:schemeClr>
-                </a:solidFill>
-              </a:rPr>
-              <a:t>)</a:t>
-            </a:r>
-          </a:p>
         </p:txBody>
       </p:sp>
     </p:spTree>
     <p:extLst>
       <p:ext uri="{BB962C8B-B14F-4D97-AF65-F5344CB8AC3E}">
-        <p14:creationId xmlns:p14="http://schemas.microsoft.com/office/powerpoint/2010/main" val="816640652"/>
+        <p14:creationId xmlns:p14="http://schemas.microsoft.com/office/powerpoint/2010/main" val="2545546678"/>
       </p:ext>
     </p:extLst>
   </p:cSld>
@@ -10629,10 +9578,10 @@
       </p:grpSpPr>
       <p:sp>
         <p:nvSpPr>
-          <p:cNvPr id="10" name="Content Placeholder 9">
+          <p:cNvPr id="4" name="Title 3">
             <a:extLst>
               <a:ext uri="{FF2B5EF4-FFF2-40B4-BE49-F238E27FC236}">
-                <a16:creationId xmlns:a16="http://schemas.microsoft.com/office/drawing/2014/main" id="{E6A5D499-9BF6-044D-B816-86198F755922}"/>
+                <a16:creationId xmlns:a16="http://schemas.microsoft.com/office/drawing/2014/main" id="{11E15CD1-F923-0C43-94B1-C40A533BA4A9}"/>
               </a:ext>
             </a:extLst>
           </p:cNvPr>
@@ -10640,1040 +9589,50 @@
             <a:spLocks noGrp="1"/>
           </p:cNvSpPr>
           <p:nvPr>
-            <p:ph sz="half" idx="2"/>
-          </p:nvPr>
-        </p:nvSpPr>
-        <p:spPr/>
-        <p:txBody>
-          <a:bodyPr anchor="ctr">
-            <a:normAutofit/>
-          </a:bodyPr>
+            <p:ph type="title"/>
+          </p:nvPr>
+        </p:nvSpPr>
+        <p:spPr>
+          <a:xfrm>
+            <a:off x="1683171" y="2471176"/>
+            <a:ext cx="8825657" cy="1915647"/>
+          </a:xfrm>
+        </p:spPr>
+        <p:txBody>
+          <a:bodyPr anchor="ctr"/>
           <a:lstStyle/>
           <a:p>
             <a:pPr algn="ctr"/>
             <a:r>
-              <a:rPr lang="zh-TW" altLang="en-US" b="1" dirty="0">
-                <a:solidFill>
-                  <a:schemeClr val="accent3">
-                    <a:lumMod val="40000"/>
-                    <a:lumOff val="60000"/>
-                  </a:schemeClr>
-                </a:solidFill>
-              </a:rPr>
-              <a:t>嗡梭第</a:t>
-            </a:r>
-            <a:endParaRPr lang="zh-TW" altLang="en-US" dirty="0">
+              <a:rPr lang="zh-TW" altLang="en-US" sz="8000" b="1" dirty="0">
+                <a:solidFill>
+                  <a:schemeClr val="accent2">
+                    <a:lumMod val="60000"/>
+                    <a:lumOff val="40000"/>
+                  </a:schemeClr>
+                </a:solidFill>
+                <a:latin typeface="Yuanti TC" panose="02010600040101010101" pitchFamily="2" charset="-120"/>
+                <a:ea typeface="Yuanti TC" panose="02010600040101010101" pitchFamily="2" charset="-120"/>
+              </a:rPr>
+              <a:t>阿弥陀佛</a:t>
+            </a:r>
+            <a:endParaRPr lang="en-US" sz="8000" dirty="0">
               <a:solidFill>
-                <a:schemeClr val="accent3">
-                  <a:lumMod val="40000"/>
-                  <a:lumOff val="60000"/>
+                <a:schemeClr val="accent2">
+                  <a:lumMod val="60000"/>
+                  <a:lumOff val="40000"/>
                 </a:schemeClr>
               </a:solidFill>
+              <a:latin typeface="Yuanti TC" panose="02010600040101010101" pitchFamily="2" charset="-120"/>
+              <a:ea typeface="Yuanti TC" panose="02010600040101010101" pitchFamily="2" charset="-120"/>
             </a:endParaRPr>
-          </a:p>
-          <a:p>
-            <a:pPr algn="ctr"/>
-            <a:r>
-              <a:rPr lang="zh-TW" altLang="en-US" b="1" dirty="0">
-                <a:solidFill>
-                  <a:schemeClr val="accent3">
-                    <a:lumMod val="40000"/>
-                    <a:lumOff val="60000"/>
-                  </a:schemeClr>
-                </a:solidFill>
-              </a:rPr>
-              <a:t>无量长寿佛之发心真谛力 </a:t>
-            </a:r>
-            <a:endParaRPr lang="en-CA" altLang="zh-TW" b="1" dirty="0">
-              <a:solidFill>
-                <a:schemeClr val="accent3">
-                  <a:lumMod val="40000"/>
-                  <a:lumOff val="60000"/>
-                </a:schemeClr>
-              </a:solidFill>
-            </a:endParaRPr>
-          </a:p>
-          <a:p>
-            <a:pPr algn="ctr"/>
-            <a:r>
-              <a:rPr lang="zh-TW" altLang="en-US" b="1" dirty="0">
-                <a:solidFill>
-                  <a:schemeClr val="accent3">
-                    <a:lumMod val="40000"/>
-                    <a:lumOff val="60000"/>
-                  </a:schemeClr>
-                </a:solidFill>
-              </a:rPr>
-              <a:t>具有清淨戒律智慧广博且</a:t>
-            </a:r>
-            <a:endParaRPr lang="zh-TW" altLang="en-US" dirty="0">
-              <a:solidFill>
-                <a:schemeClr val="accent3">
-                  <a:lumMod val="40000"/>
-                  <a:lumOff val="60000"/>
-                </a:schemeClr>
-              </a:solidFill>
-            </a:endParaRPr>
-          </a:p>
-          <a:p>
-            <a:pPr algn="ctr"/>
-            <a:r>
-              <a:rPr lang="zh-TW" altLang="en-US" b="1" dirty="0">
-                <a:solidFill>
-                  <a:schemeClr val="accent3">
-                    <a:lumMod val="40000"/>
-                    <a:lumOff val="60000"/>
-                  </a:schemeClr>
-                </a:solidFill>
-              </a:rPr>
-              <a:t>能令教证法之大鼓响起者 </a:t>
-            </a:r>
-            <a:endParaRPr lang="en-CA" altLang="zh-TW" b="1" dirty="0">
-              <a:solidFill>
-                <a:schemeClr val="accent3">
-                  <a:lumMod val="40000"/>
-                  <a:lumOff val="60000"/>
-                </a:schemeClr>
-              </a:solidFill>
-            </a:endParaRPr>
-          </a:p>
-          <a:p>
-            <a:pPr algn="ctr"/>
-            <a:r>
-              <a:rPr lang="zh-TW" altLang="en-US" b="1" dirty="0">
-                <a:solidFill>
-                  <a:schemeClr val="accent3">
-                    <a:lumMod val="40000"/>
-                    <a:lumOff val="60000"/>
-                  </a:schemeClr>
-                </a:solidFill>
-              </a:rPr>
-              <a:t>长久住世弘伟事业愿增长</a:t>
-            </a:r>
-            <a:endParaRPr lang="zh-TW" altLang="en-US" dirty="0">
-              <a:solidFill>
-                <a:schemeClr val="accent3">
-                  <a:lumMod val="40000"/>
-                  <a:lumOff val="60000"/>
-                </a:schemeClr>
-              </a:solidFill>
-            </a:endParaRPr>
-          </a:p>
-        </p:txBody>
-      </p:sp>
-      <p:sp>
-        <p:nvSpPr>
-          <p:cNvPr id="12" name="Slide Number Placeholder 11">
-            <a:extLst>
-              <a:ext uri="{FF2B5EF4-FFF2-40B4-BE49-F238E27FC236}">
-                <a16:creationId xmlns:a16="http://schemas.microsoft.com/office/drawing/2014/main" id="{005515B8-E71C-5C4A-9F0F-0191B5EED7B4}"/>
-              </a:ext>
-            </a:extLst>
-          </p:cNvPr>
-          <p:cNvSpPr>
-            <a:spLocks noGrp="1"/>
-          </p:cNvSpPr>
-          <p:nvPr>
-            <p:ph type="sldNum" sz="quarter" idx="12"/>
-          </p:nvPr>
-        </p:nvSpPr>
-        <p:spPr/>
-        <p:txBody>
-          <a:bodyPr/>
-          <a:lstStyle/>
-          <a:p>
-            <a:fld id="{386F27E4-7A7F-294D-9D6F-8F341454048D}" type="slidenum">
-              <a:rPr lang="en-US" smtClean="0"/>
-              <a:t>7</a:t>
-            </a:fld>
-            <a:endParaRPr lang="en-US"/>
-          </a:p>
-        </p:txBody>
-      </p:sp>
-      <p:sp>
-        <p:nvSpPr>
-          <p:cNvPr id="11" name="Content Placeholder 10">
-            <a:extLst>
-              <a:ext uri="{FF2B5EF4-FFF2-40B4-BE49-F238E27FC236}">
-                <a16:creationId xmlns:a16="http://schemas.microsoft.com/office/drawing/2014/main" id="{23738570-8C48-2E42-A3E5-FA7F79BA175A}"/>
-              </a:ext>
-            </a:extLst>
-          </p:cNvPr>
-          <p:cNvSpPr>
-            <a:spLocks noGrp="1"/>
-          </p:cNvSpPr>
-          <p:nvPr>
-            <p:ph sz="half" idx="13"/>
-          </p:nvPr>
-        </p:nvSpPr>
-        <p:spPr/>
-        <p:txBody>
-          <a:bodyPr anchor="ctr">
-            <a:normAutofit/>
-          </a:bodyPr>
-          <a:lstStyle/>
-          <a:p>
-            <a:pPr algn="ctr"/>
-            <a:r>
-              <a:rPr lang="zh-TW" altLang="en-US" b="1" dirty="0">
-                <a:solidFill>
-                  <a:schemeClr val="tx1">
-                    <a:lumMod val="85000"/>
-                  </a:schemeClr>
-                </a:solidFill>
-              </a:rPr>
-              <a:t>以佛所获三身之加持 </a:t>
-            </a:r>
-            <a:endParaRPr lang="en-CA" altLang="zh-TW" b="1" dirty="0">
-              <a:solidFill>
-                <a:schemeClr val="tx1">
-                  <a:lumMod val="85000"/>
-                </a:schemeClr>
-              </a:solidFill>
-            </a:endParaRPr>
-          </a:p>
-          <a:p>
-            <a:pPr algn="ctr"/>
-            <a:r>
-              <a:rPr lang="zh-TW" altLang="en-US" b="1" dirty="0">
-                <a:solidFill>
-                  <a:schemeClr val="tx1">
-                    <a:lumMod val="85000"/>
-                  </a:schemeClr>
-                </a:solidFill>
-              </a:rPr>
-              <a:t>法性不变真谛之加持</a:t>
-            </a:r>
-            <a:endParaRPr lang="zh-TW" altLang="en-US" dirty="0">
-              <a:solidFill>
-                <a:schemeClr val="tx1">
-                  <a:lumMod val="85000"/>
-                </a:schemeClr>
-              </a:solidFill>
-            </a:endParaRPr>
-          </a:p>
-          <a:p>
-            <a:pPr algn="ctr"/>
-            <a:r>
-              <a:rPr lang="zh-TW" altLang="en-US" b="1" dirty="0">
-                <a:solidFill>
-                  <a:schemeClr val="tx1">
-                    <a:lumMod val="85000"/>
-                  </a:schemeClr>
-                </a:solidFill>
-              </a:rPr>
-              <a:t>僧众不退意乐之加持 </a:t>
-            </a:r>
-            <a:endParaRPr lang="en-CA" altLang="zh-TW" b="1" dirty="0">
-              <a:solidFill>
-                <a:schemeClr val="tx1">
-                  <a:lumMod val="85000"/>
-                </a:schemeClr>
-              </a:solidFill>
-            </a:endParaRPr>
-          </a:p>
-          <a:p>
-            <a:pPr algn="ctr"/>
-            <a:r>
-              <a:rPr lang="zh-TW" altLang="en-US" b="1" dirty="0">
-                <a:solidFill>
-                  <a:schemeClr val="tx1">
-                    <a:lumMod val="85000"/>
-                  </a:schemeClr>
-                </a:solidFill>
-              </a:rPr>
-              <a:t>如是回向发愿悉成就</a:t>
-            </a:r>
-            <a:r>
-              <a:rPr lang="zh-CN" altLang="en-US" b="1" dirty="0">
-                <a:solidFill>
-                  <a:schemeClr val="tx1">
-                    <a:lumMod val="85000"/>
-                  </a:schemeClr>
-                </a:solidFill>
-              </a:rPr>
-              <a:t> </a:t>
-            </a:r>
-            <a:r>
-              <a:rPr lang="zh-CN" altLang="en-US" sz="1200" b="1" dirty="0">
-                <a:solidFill>
-                  <a:schemeClr val="tx1">
-                    <a:lumMod val="85000"/>
-                  </a:schemeClr>
-                </a:solidFill>
-              </a:rPr>
-              <a:t> </a:t>
-            </a:r>
-            <a:endParaRPr lang="en-CA" altLang="zh-CN" sz="1200" b="1" dirty="0">
-              <a:solidFill>
-                <a:schemeClr val="tx1">
-                  <a:lumMod val="85000"/>
-                </a:schemeClr>
-              </a:solidFill>
-            </a:endParaRPr>
-          </a:p>
-          <a:p>
-            <a:pPr algn="ctr"/>
-            <a:endParaRPr lang="en-US" altLang="zh-TW" sz="1200" dirty="0">
-              <a:solidFill>
-                <a:schemeClr val="tx1">
-                  <a:lumMod val="85000"/>
-                </a:schemeClr>
-              </a:solidFill>
-            </a:endParaRPr>
-          </a:p>
-          <a:p>
-            <a:pPr algn="ctr"/>
-            <a:r>
-              <a:rPr lang="zh-TW" altLang="en-US" b="1" dirty="0">
-                <a:solidFill>
-                  <a:schemeClr val="tx1">
-                    <a:lumMod val="85000"/>
-                  </a:schemeClr>
-                </a:solidFill>
-              </a:rPr>
-              <a:t>达雅塔 班赞哲雅 </a:t>
-            </a:r>
-            <a:endParaRPr lang="en-CA" altLang="zh-TW" b="1" dirty="0">
-              <a:solidFill>
-                <a:schemeClr val="tx1">
-                  <a:lumMod val="85000"/>
-                </a:schemeClr>
-              </a:solidFill>
-            </a:endParaRPr>
-          </a:p>
-          <a:p>
-            <a:pPr algn="ctr"/>
-            <a:r>
-              <a:rPr lang="zh-TW" altLang="en-US" b="1" dirty="0">
-                <a:solidFill>
-                  <a:schemeClr val="tx1">
-                    <a:lumMod val="85000"/>
-                  </a:schemeClr>
-                </a:solidFill>
-              </a:rPr>
-              <a:t>阿哇波达呢 娑哈</a:t>
-            </a:r>
-            <a:r>
-              <a:rPr lang="zh-TW" altLang="en-US" dirty="0">
-                <a:solidFill>
-                  <a:schemeClr val="tx1">
-                    <a:lumMod val="85000"/>
-                  </a:schemeClr>
-                </a:solidFill>
-              </a:rPr>
-              <a:t> </a:t>
-            </a:r>
-            <a:r>
-              <a:rPr lang="en-US" altLang="zh-TW" sz="1200" dirty="0">
-                <a:solidFill>
-                  <a:schemeClr val="tx1">
-                    <a:lumMod val="85000"/>
-                  </a:schemeClr>
-                </a:solidFill>
-              </a:rPr>
-              <a:t>(</a:t>
-            </a:r>
-            <a:r>
-              <a:rPr lang="zh-TW" altLang="en-US" sz="1200" dirty="0">
-                <a:solidFill>
-                  <a:schemeClr val="tx1">
-                    <a:lumMod val="85000"/>
-                  </a:schemeClr>
-                </a:solidFill>
-              </a:rPr>
-              <a:t>成就所愿咒</a:t>
-            </a:r>
-            <a:r>
-              <a:rPr lang="en-US" altLang="zh-TW" sz="1200" dirty="0">
-                <a:solidFill>
-                  <a:schemeClr val="tx1">
-                    <a:lumMod val="85000"/>
-                  </a:schemeClr>
-                </a:solidFill>
-              </a:rPr>
-              <a:t>)</a:t>
-            </a:r>
-          </a:p>
-          <a:p>
-            <a:pPr algn="ctr"/>
-            <a:r>
-              <a:rPr lang="zh-TW" altLang="en-US" b="1" dirty="0">
-                <a:solidFill>
-                  <a:schemeClr val="tx1">
-                    <a:lumMod val="85000"/>
-                  </a:schemeClr>
-                </a:solidFill>
-              </a:rPr>
-              <a:t>嗡啊吽 班杂格热班玛 色德吽</a:t>
-            </a:r>
-            <a:r>
-              <a:rPr lang="en-US" altLang="zh-TW" sz="1200" dirty="0">
-                <a:solidFill>
-                  <a:schemeClr val="tx1">
-                    <a:lumMod val="85000"/>
-                  </a:schemeClr>
-                </a:solidFill>
-              </a:rPr>
-              <a:t>(3</a:t>
-            </a:r>
-            <a:r>
-              <a:rPr lang="zh-TW" altLang="en-US" sz="1200" dirty="0">
-                <a:solidFill>
-                  <a:schemeClr val="tx1">
-                    <a:lumMod val="85000"/>
-                  </a:schemeClr>
-                </a:solidFill>
-              </a:rPr>
-              <a:t>遍</a:t>
-            </a:r>
-            <a:r>
-              <a:rPr lang="en-US" altLang="zh-TW" sz="1200" dirty="0">
-                <a:solidFill>
-                  <a:schemeClr val="tx1">
-                    <a:lumMod val="85000"/>
-                  </a:schemeClr>
-                </a:solidFill>
-              </a:rPr>
-              <a:t>)</a:t>
-            </a:r>
           </a:p>
         </p:txBody>
       </p:sp>
     </p:spTree>
     <p:extLst>
       <p:ext uri="{BB962C8B-B14F-4D97-AF65-F5344CB8AC3E}">
-        <p14:creationId xmlns:p14="http://schemas.microsoft.com/office/powerpoint/2010/main" val="1208252646"/>
-      </p:ext>
-    </p:extLst>
-  </p:cSld>
-  <p:clrMapOvr>
-    <a:masterClrMapping/>
-  </p:clrMapOvr>
-</p:sld>
-</file>
-
-<file path=ppt/slides/slide8.xml><?xml version="1.0" encoding="utf-8"?>
-<p:sld xmlns:a="http://schemas.openxmlformats.org/drawingml/2006/main" xmlns:r="http://schemas.openxmlformats.org/officeDocument/2006/relationships" xmlns:p="http://schemas.openxmlformats.org/presentationml/2006/main">
-  <p:cSld>
-    <p:spTree>
-      <p:nvGrpSpPr>
-        <p:cNvPr id="1" name=""/>
-        <p:cNvGrpSpPr/>
-        <p:nvPr/>
-      </p:nvGrpSpPr>
-      <p:grpSpPr>
-        <a:xfrm>
-          <a:off x="0" y="0"/>
-          <a:ext cx="0" cy="0"/>
-          <a:chOff x="0" y="0"/>
-          <a:chExt cx="0" cy="0"/>
-        </a:xfrm>
-      </p:grpSpPr>
-      <p:sp>
-        <p:nvSpPr>
-          <p:cNvPr id="10" name="Content Placeholder 9">
-            <a:extLst>
-              <a:ext uri="{FF2B5EF4-FFF2-40B4-BE49-F238E27FC236}">
-                <a16:creationId xmlns:a16="http://schemas.microsoft.com/office/drawing/2014/main" id="{E6A5D499-9BF6-044D-B816-86198F755922}"/>
-              </a:ext>
-            </a:extLst>
-          </p:cNvPr>
-          <p:cNvSpPr>
-            <a:spLocks noGrp="1"/>
-          </p:cNvSpPr>
-          <p:nvPr>
-            <p:ph sz="half" idx="2"/>
-          </p:nvPr>
-        </p:nvSpPr>
-        <p:spPr/>
-        <p:txBody>
-          <a:bodyPr anchor="ctr">
-            <a:normAutofit/>
-          </a:bodyPr>
-          <a:lstStyle/>
-          <a:p>
-            <a:pPr algn="ctr"/>
-            <a:r>
-              <a:rPr lang="zh-TW" altLang="en-US" b="1" dirty="0">
-                <a:solidFill>
-                  <a:schemeClr val="accent3">
-                    <a:lumMod val="40000"/>
-                    <a:lumOff val="60000"/>
-                  </a:schemeClr>
-                </a:solidFill>
-              </a:rPr>
-              <a:t>嗡梭第</a:t>
-            </a:r>
-            <a:endParaRPr lang="zh-TW" altLang="en-US" dirty="0">
-              <a:solidFill>
-                <a:schemeClr val="accent3">
-                  <a:lumMod val="40000"/>
-                  <a:lumOff val="60000"/>
-                </a:schemeClr>
-              </a:solidFill>
-            </a:endParaRPr>
-          </a:p>
-          <a:p>
-            <a:pPr algn="ctr"/>
-            <a:r>
-              <a:rPr lang="zh-TW" altLang="en-US" b="1" dirty="0">
-                <a:solidFill>
-                  <a:schemeClr val="accent3">
-                    <a:lumMod val="40000"/>
-                    <a:lumOff val="60000"/>
-                  </a:schemeClr>
-                </a:solidFill>
-              </a:rPr>
-              <a:t>无量长寿佛之发心真谛力 </a:t>
-            </a:r>
-            <a:endParaRPr lang="en-CA" altLang="zh-TW" b="1" dirty="0">
-              <a:solidFill>
-                <a:schemeClr val="accent3">
-                  <a:lumMod val="40000"/>
-                  <a:lumOff val="60000"/>
-                </a:schemeClr>
-              </a:solidFill>
-            </a:endParaRPr>
-          </a:p>
-          <a:p>
-            <a:pPr algn="ctr"/>
-            <a:r>
-              <a:rPr lang="zh-TW" altLang="en-US" b="1" dirty="0">
-                <a:solidFill>
-                  <a:schemeClr val="accent3">
-                    <a:lumMod val="40000"/>
-                    <a:lumOff val="60000"/>
-                  </a:schemeClr>
-                </a:solidFill>
-              </a:rPr>
-              <a:t>具有清淨戒律智慧广博且</a:t>
-            </a:r>
-            <a:endParaRPr lang="zh-TW" altLang="en-US" dirty="0">
-              <a:solidFill>
-                <a:schemeClr val="accent3">
-                  <a:lumMod val="40000"/>
-                  <a:lumOff val="60000"/>
-                </a:schemeClr>
-              </a:solidFill>
-            </a:endParaRPr>
-          </a:p>
-          <a:p>
-            <a:pPr algn="ctr"/>
-            <a:r>
-              <a:rPr lang="zh-TW" altLang="en-US" b="1" dirty="0">
-                <a:solidFill>
-                  <a:schemeClr val="accent3">
-                    <a:lumMod val="40000"/>
-                    <a:lumOff val="60000"/>
-                  </a:schemeClr>
-                </a:solidFill>
-              </a:rPr>
-              <a:t>能令教证法之大鼓响起者 </a:t>
-            </a:r>
-            <a:endParaRPr lang="en-CA" altLang="zh-TW" b="1" dirty="0">
-              <a:solidFill>
-                <a:schemeClr val="accent3">
-                  <a:lumMod val="40000"/>
-                  <a:lumOff val="60000"/>
-                </a:schemeClr>
-              </a:solidFill>
-            </a:endParaRPr>
-          </a:p>
-          <a:p>
-            <a:pPr algn="ctr"/>
-            <a:r>
-              <a:rPr lang="zh-TW" altLang="en-US" b="1" dirty="0">
-                <a:solidFill>
-                  <a:schemeClr val="accent3">
-                    <a:lumMod val="40000"/>
-                    <a:lumOff val="60000"/>
-                  </a:schemeClr>
-                </a:solidFill>
-              </a:rPr>
-              <a:t>长久住世弘伟事业愿增长</a:t>
-            </a:r>
-            <a:endParaRPr lang="zh-TW" altLang="en-US" dirty="0">
-              <a:solidFill>
-                <a:schemeClr val="accent3">
-                  <a:lumMod val="40000"/>
-                  <a:lumOff val="60000"/>
-                </a:schemeClr>
-              </a:solidFill>
-            </a:endParaRPr>
-          </a:p>
-        </p:txBody>
-      </p:sp>
-      <p:sp>
-        <p:nvSpPr>
-          <p:cNvPr id="12" name="Slide Number Placeholder 11">
-            <a:extLst>
-              <a:ext uri="{FF2B5EF4-FFF2-40B4-BE49-F238E27FC236}">
-                <a16:creationId xmlns:a16="http://schemas.microsoft.com/office/drawing/2014/main" id="{005515B8-E71C-5C4A-9F0F-0191B5EED7B4}"/>
-              </a:ext>
-            </a:extLst>
-          </p:cNvPr>
-          <p:cNvSpPr>
-            <a:spLocks noGrp="1"/>
-          </p:cNvSpPr>
-          <p:nvPr>
-            <p:ph type="sldNum" sz="quarter" idx="12"/>
-          </p:nvPr>
-        </p:nvSpPr>
-        <p:spPr/>
-        <p:txBody>
-          <a:bodyPr/>
-          <a:lstStyle/>
-          <a:p>
-            <a:fld id="{386F27E4-7A7F-294D-9D6F-8F341454048D}" type="slidenum">
-              <a:rPr lang="en-US" smtClean="0"/>
-              <a:t>8</a:t>
-            </a:fld>
-            <a:endParaRPr lang="en-US"/>
-          </a:p>
-        </p:txBody>
-      </p:sp>
-      <p:sp>
-        <p:nvSpPr>
-          <p:cNvPr id="11" name="Content Placeholder 10">
-            <a:extLst>
-              <a:ext uri="{FF2B5EF4-FFF2-40B4-BE49-F238E27FC236}">
-                <a16:creationId xmlns:a16="http://schemas.microsoft.com/office/drawing/2014/main" id="{23738570-8C48-2E42-A3E5-FA7F79BA175A}"/>
-              </a:ext>
-            </a:extLst>
-          </p:cNvPr>
-          <p:cNvSpPr>
-            <a:spLocks noGrp="1"/>
-          </p:cNvSpPr>
-          <p:nvPr>
-            <p:ph sz="half" idx="13"/>
-          </p:nvPr>
-        </p:nvSpPr>
-        <p:spPr/>
-        <p:txBody>
-          <a:bodyPr anchor="ctr">
-            <a:normAutofit/>
-          </a:bodyPr>
-          <a:lstStyle/>
-          <a:p>
-            <a:r>
-              <a:rPr lang="zh-TW" altLang="en-US" b="1" dirty="0">
-                <a:solidFill>
-                  <a:schemeClr val="accent2">
-                    <a:lumMod val="40000"/>
-                    <a:lumOff val="60000"/>
-                  </a:schemeClr>
-                </a:solidFill>
-              </a:rPr>
-              <a:t>愿以此功德</a:t>
-            </a:r>
-            <a:endParaRPr lang="zh-TW" altLang="en-US" dirty="0">
-              <a:solidFill>
-                <a:schemeClr val="accent2">
-                  <a:lumMod val="40000"/>
-                  <a:lumOff val="60000"/>
-                </a:schemeClr>
-              </a:solidFill>
-            </a:endParaRPr>
-          </a:p>
-          <a:p>
-            <a:r>
-              <a:rPr lang="zh-TW" altLang="en-US" b="1" dirty="0">
-                <a:solidFill>
-                  <a:schemeClr val="accent2">
-                    <a:lumMod val="40000"/>
-                    <a:lumOff val="60000"/>
-                  </a:schemeClr>
-                </a:solidFill>
-              </a:rPr>
-              <a:t>以及过去 现在 未来 所有的善根功德</a:t>
-            </a:r>
-            <a:endParaRPr lang="zh-TW" altLang="en-US" dirty="0">
-              <a:solidFill>
-                <a:schemeClr val="accent2">
-                  <a:lumMod val="40000"/>
-                  <a:lumOff val="60000"/>
-                </a:schemeClr>
-              </a:solidFill>
-            </a:endParaRPr>
-          </a:p>
-          <a:p>
-            <a:r>
-              <a:rPr lang="zh-TW" altLang="en-US" b="1" dirty="0">
-                <a:solidFill>
-                  <a:schemeClr val="accent2">
-                    <a:lumMod val="40000"/>
-                    <a:lumOff val="60000"/>
-                  </a:schemeClr>
-                </a:solidFill>
-              </a:rPr>
-              <a:t>诸佛菩萨的无漏善根功德</a:t>
-            </a:r>
-            <a:endParaRPr lang="zh-TW" altLang="en-US" dirty="0">
-              <a:solidFill>
-                <a:schemeClr val="accent2">
-                  <a:lumMod val="40000"/>
-                  <a:lumOff val="60000"/>
-                </a:schemeClr>
-              </a:solidFill>
-            </a:endParaRPr>
-          </a:p>
-          <a:p>
-            <a:r>
-              <a:rPr lang="zh-TW" altLang="en-US" b="1" dirty="0">
-                <a:solidFill>
-                  <a:schemeClr val="accent2">
-                    <a:lumMod val="40000"/>
-                    <a:lumOff val="60000"/>
-                  </a:schemeClr>
-                </a:solidFill>
-              </a:rPr>
-              <a:t>众生有漏的善根功德 汇集于一处</a:t>
-            </a:r>
-            <a:endParaRPr lang="zh-TW" altLang="en-US" dirty="0">
-              <a:solidFill>
-                <a:schemeClr val="accent2">
-                  <a:lumMod val="40000"/>
-                  <a:lumOff val="60000"/>
-                </a:schemeClr>
-              </a:solidFill>
-            </a:endParaRPr>
-          </a:p>
-          <a:p>
-            <a:r>
-              <a:rPr lang="zh-TW" altLang="en-US" b="1" dirty="0">
-                <a:solidFill>
-                  <a:schemeClr val="accent2">
-                    <a:lumMod val="40000"/>
-                    <a:lumOff val="60000"/>
-                  </a:schemeClr>
-                </a:solidFill>
-              </a:rPr>
-              <a:t>以如梦如幻的方式回向</a:t>
-            </a:r>
-            <a:br>
-              <a:rPr lang="zh-TW" altLang="en-US" dirty="0">
-                <a:solidFill>
-                  <a:schemeClr val="accent2">
-                    <a:lumMod val="40000"/>
-                    <a:lumOff val="60000"/>
-                  </a:schemeClr>
-                </a:solidFill>
-              </a:rPr>
-            </a:br>
-            <a:endParaRPr lang="en-US" altLang="zh-TW" sz="1200" dirty="0">
-              <a:solidFill>
-                <a:schemeClr val="accent2">
-                  <a:lumMod val="40000"/>
-                  <a:lumOff val="60000"/>
-                </a:schemeClr>
-              </a:solidFill>
-            </a:endParaRPr>
-          </a:p>
-        </p:txBody>
-      </p:sp>
-    </p:spTree>
-    <p:extLst>
-      <p:ext uri="{BB962C8B-B14F-4D97-AF65-F5344CB8AC3E}">
-        <p14:creationId xmlns:p14="http://schemas.microsoft.com/office/powerpoint/2010/main" val="2563203723"/>
-      </p:ext>
-    </p:extLst>
-  </p:cSld>
-  <p:clrMapOvr>
-    <a:masterClrMapping/>
-  </p:clrMapOvr>
-</p:sld>
-</file>
-
-<file path=ppt/slides/slide9.xml><?xml version="1.0" encoding="utf-8"?>
-<p:sld xmlns:a="http://schemas.openxmlformats.org/drawingml/2006/main" xmlns:r="http://schemas.openxmlformats.org/officeDocument/2006/relationships" xmlns:p="http://schemas.openxmlformats.org/presentationml/2006/main">
-  <p:cSld>
-    <p:spTree>
-      <p:nvGrpSpPr>
-        <p:cNvPr id="1" name=""/>
-        <p:cNvGrpSpPr/>
-        <p:nvPr/>
-      </p:nvGrpSpPr>
-      <p:grpSpPr>
-        <a:xfrm>
-          <a:off x="0" y="0"/>
-          <a:ext cx="0" cy="0"/>
-          <a:chOff x="0" y="0"/>
-          <a:chExt cx="0" cy="0"/>
-        </a:xfrm>
-      </p:grpSpPr>
-      <p:sp>
-        <p:nvSpPr>
-          <p:cNvPr id="10" name="Content Placeholder 9">
-            <a:extLst>
-              <a:ext uri="{FF2B5EF4-FFF2-40B4-BE49-F238E27FC236}">
-                <a16:creationId xmlns:a16="http://schemas.microsoft.com/office/drawing/2014/main" id="{E6A5D499-9BF6-044D-B816-86198F755922}"/>
-              </a:ext>
-            </a:extLst>
-          </p:cNvPr>
-          <p:cNvSpPr>
-            <a:spLocks noGrp="1"/>
-          </p:cNvSpPr>
-          <p:nvPr>
-            <p:ph sz="half" idx="2"/>
-          </p:nvPr>
-        </p:nvSpPr>
-        <p:spPr/>
-        <p:txBody>
-          <a:bodyPr anchor="ctr">
-            <a:normAutofit/>
-          </a:bodyPr>
-          <a:lstStyle/>
-          <a:p>
-            <a:r>
-              <a:rPr lang="zh-TW" altLang="en-US" b="1" dirty="0">
-                <a:solidFill>
-                  <a:schemeClr val="tx1">
-                    <a:lumMod val="85000"/>
-                  </a:schemeClr>
-                </a:solidFill>
-              </a:rPr>
-              <a:t>回向给大恩上师堪钦慈诚罗珠仁波切</a:t>
-            </a:r>
-            <a:endParaRPr lang="zh-TW" altLang="en-US" dirty="0">
-              <a:solidFill>
-                <a:schemeClr val="tx1">
-                  <a:lumMod val="85000"/>
-                </a:schemeClr>
-              </a:solidFill>
-            </a:endParaRPr>
-          </a:p>
-          <a:p>
-            <a:r>
-              <a:rPr lang="zh-TW" altLang="en-US" b="1" dirty="0">
-                <a:solidFill>
-                  <a:schemeClr val="tx1">
-                    <a:lumMod val="85000"/>
-                  </a:schemeClr>
-                </a:solidFill>
-              </a:rPr>
-              <a:t>所有现今住世的高僧大德们</a:t>
-            </a:r>
-            <a:endParaRPr lang="zh-TW" altLang="en-US" dirty="0">
-              <a:solidFill>
-                <a:schemeClr val="tx1">
-                  <a:lumMod val="85000"/>
-                </a:schemeClr>
-              </a:solidFill>
-            </a:endParaRPr>
-          </a:p>
-          <a:p>
-            <a:r>
-              <a:rPr lang="zh-TW" altLang="en-US" b="1" dirty="0">
-                <a:solidFill>
-                  <a:schemeClr val="tx1">
-                    <a:lumMod val="85000"/>
-                  </a:schemeClr>
-                </a:solidFill>
-              </a:rPr>
-              <a:t>愿您们法体安康 长久住世 广转法轮 弘法利生事业吉祥圆满 广大无碍</a:t>
-            </a:r>
-            <a:endParaRPr lang="zh-TW" altLang="en-US" dirty="0">
-              <a:solidFill>
-                <a:schemeClr val="tx1">
-                  <a:lumMod val="85000"/>
-                </a:schemeClr>
-              </a:solidFill>
-            </a:endParaRPr>
-          </a:p>
-          <a:p>
-            <a:r>
-              <a:rPr lang="zh-TW" altLang="en-US" b="1" dirty="0">
-                <a:solidFill>
-                  <a:schemeClr val="tx1">
-                    <a:lumMod val="85000"/>
-                  </a:schemeClr>
-                </a:solidFill>
-              </a:rPr>
-              <a:t>回向给三界六道一切如母有情 获得暂时的安乐与究竟的解脱</a:t>
-            </a:r>
-            <a:endParaRPr lang="zh-TW" altLang="en-US" dirty="0">
-              <a:solidFill>
-                <a:schemeClr val="tx1">
-                  <a:lumMod val="85000"/>
-                </a:schemeClr>
-              </a:solidFill>
-            </a:endParaRPr>
-          </a:p>
-        </p:txBody>
-      </p:sp>
-      <p:sp>
-        <p:nvSpPr>
-          <p:cNvPr id="12" name="Slide Number Placeholder 11">
-            <a:extLst>
-              <a:ext uri="{FF2B5EF4-FFF2-40B4-BE49-F238E27FC236}">
-                <a16:creationId xmlns:a16="http://schemas.microsoft.com/office/drawing/2014/main" id="{005515B8-E71C-5C4A-9F0F-0191B5EED7B4}"/>
-              </a:ext>
-            </a:extLst>
-          </p:cNvPr>
-          <p:cNvSpPr>
-            <a:spLocks noGrp="1"/>
-          </p:cNvSpPr>
-          <p:nvPr>
-            <p:ph type="sldNum" sz="quarter" idx="12"/>
-          </p:nvPr>
-        </p:nvSpPr>
-        <p:spPr/>
-        <p:txBody>
-          <a:bodyPr/>
-          <a:lstStyle/>
-          <a:p>
-            <a:fld id="{386F27E4-7A7F-294D-9D6F-8F341454048D}" type="slidenum">
-              <a:rPr lang="en-US" smtClean="0"/>
-              <a:t>9</a:t>
-            </a:fld>
-            <a:endParaRPr lang="en-US"/>
-          </a:p>
-        </p:txBody>
-      </p:sp>
-      <p:sp>
-        <p:nvSpPr>
-          <p:cNvPr id="11" name="Content Placeholder 10">
-            <a:extLst>
-              <a:ext uri="{FF2B5EF4-FFF2-40B4-BE49-F238E27FC236}">
-                <a16:creationId xmlns:a16="http://schemas.microsoft.com/office/drawing/2014/main" id="{23738570-8C48-2E42-A3E5-FA7F79BA175A}"/>
-              </a:ext>
-            </a:extLst>
-          </p:cNvPr>
-          <p:cNvSpPr>
-            <a:spLocks noGrp="1"/>
-          </p:cNvSpPr>
-          <p:nvPr>
-            <p:ph sz="half" idx="13"/>
-          </p:nvPr>
-        </p:nvSpPr>
-        <p:spPr/>
-        <p:txBody>
-          <a:bodyPr anchor="ctr">
-            <a:normAutofit/>
-          </a:bodyPr>
-          <a:lstStyle/>
-          <a:p>
-            <a:r>
-              <a:rPr lang="zh-TW" altLang="en-US" b="1" dirty="0">
-                <a:solidFill>
-                  <a:schemeClr val="accent2">
-                    <a:lumMod val="40000"/>
-                    <a:lumOff val="60000"/>
-                  </a:schemeClr>
-                </a:solidFill>
-              </a:rPr>
-              <a:t>愿以此功德</a:t>
-            </a:r>
-            <a:endParaRPr lang="zh-TW" altLang="en-US" dirty="0">
-              <a:solidFill>
-                <a:schemeClr val="accent2">
-                  <a:lumMod val="40000"/>
-                  <a:lumOff val="60000"/>
-                </a:schemeClr>
-              </a:solidFill>
-            </a:endParaRPr>
-          </a:p>
-          <a:p>
-            <a:r>
-              <a:rPr lang="zh-TW" altLang="en-US" b="1" dirty="0">
-                <a:solidFill>
-                  <a:schemeClr val="accent2">
-                    <a:lumMod val="40000"/>
-                    <a:lumOff val="60000"/>
-                  </a:schemeClr>
-                </a:solidFill>
-              </a:rPr>
-              <a:t>以及过去 现在 未来 所有的善根功德</a:t>
-            </a:r>
-            <a:endParaRPr lang="zh-TW" altLang="en-US" dirty="0">
-              <a:solidFill>
-                <a:schemeClr val="accent2">
-                  <a:lumMod val="40000"/>
-                  <a:lumOff val="60000"/>
-                </a:schemeClr>
-              </a:solidFill>
-            </a:endParaRPr>
-          </a:p>
-          <a:p>
-            <a:r>
-              <a:rPr lang="zh-TW" altLang="en-US" b="1" dirty="0">
-                <a:solidFill>
-                  <a:schemeClr val="accent2">
-                    <a:lumMod val="40000"/>
-                    <a:lumOff val="60000"/>
-                  </a:schemeClr>
-                </a:solidFill>
-              </a:rPr>
-              <a:t>诸佛菩萨的无漏善根功德</a:t>
-            </a:r>
-            <a:endParaRPr lang="zh-TW" altLang="en-US" dirty="0">
-              <a:solidFill>
-                <a:schemeClr val="accent2">
-                  <a:lumMod val="40000"/>
-                  <a:lumOff val="60000"/>
-                </a:schemeClr>
-              </a:solidFill>
-            </a:endParaRPr>
-          </a:p>
-          <a:p>
-            <a:r>
-              <a:rPr lang="zh-TW" altLang="en-US" b="1" dirty="0">
-                <a:solidFill>
-                  <a:schemeClr val="accent2">
-                    <a:lumMod val="40000"/>
-                    <a:lumOff val="60000"/>
-                  </a:schemeClr>
-                </a:solidFill>
-              </a:rPr>
-              <a:t>众生有漏的善根功德 汇集于一处</a:t>
-            </a:r>
-            <a:endParaRPr lang="zh-TW" altLang="en-US" dirty="0">
-              <a:solidFill>
-                <a:schemeClr val="accent2">
-                  <a:lumMod val="40000"/>
-                  <a:lumOff val="60000"/>
-                </a:schemeClr>
-              </a:solidFill>
-            </a:endParaRPr>
-          </a:p>
-          <a:p>
-            <a:r>
-              <a:rPr lang="zh-TW" altLang="en-US" b="1" dirty="0">
-                <a:solidFill>
-                  <a:schemeClr val="accent2">
-                    <a:lumMod val="40000"/>
-                    <a:lumOff val="60000"/>
-                  </a:schemeClr>
-                </a:solidFill>
-              </a:rPr>
-              <a:t>以如梦如幻的方式回向</a:t>
-            </a:r>
-            <a:br>
-              <a:rPr lang="zh-TW" altLang="en-US" dirty="0">
-                <a:solidFill>
-                  <a:schemeClr val="accent2">
-                    <a:lumMod val="40000"/>
-                    <a:lumOff val="60000"/>
-                  </a:schemeClr>
-                </a:solidFill>
-              </a:rPr>
-            </a:br>
-            <a:endParaRPr lang="en-US" altLang="zh-TW" sz="1200" dirty="0">
-              <a:solidFill>
-                <a:schemeClr val="accent2">
-                  <a:lumMod val="40000"/>
-                  <a:lumOff val="60000"/>
-                </a:schemeClr>
-              </a:solidFill>
-            </a:endParaRPr>
-          </a:p>
-        </p:txBody>
-      </p:sp>
-    </p:spTree>
-    <p:extLst>
-      <p:ext uri="{BB962C8B-B14F-4D97-AF65-F5344CB8AC3E}">
-        <p14:creationId xmlns:p14="http://schemas.microsoft.com/office/powerpoint/2010/main" val="3240431292"/>
+        <p14:creationId xmlns:p14="http://schemas.microsoft.com/office/powerpoint/2010/main" val="1295955704"/>
       </p:ext>
     </p:extLst>
   </p:cSld>
